--- a/2022-09 meeting.pptx
+++ b/2022-09 meeting.pptx
@@ -5,7 +5,7 @@
     <p:sldMasterId id="2147483648" r:id="rId1"/>
   </p:sldMasterIdLst>
   <p:notesMasterIdLst>
-    <p:notesMasterId r:id="rId20"/>
+    <p:notesMasterId r:id="rId26"/>
   </p:notesMasterIdLst>
   <p:sldIdLst>
     <p:sldId id="357" r:id="rId2"/>
@@ -25,7 +25,13 @@
     <p:sldId id="374" r:id="rId16"/>
     <p:sldId id="375" r:id="rId17"/>
     <p:sldId id="377" r:id="rId18"/>
-    <p:sldId id="378" r:id="rId19"/>
+    <p:sldId id="379" r:id="rId19"/>
+    <p:sldId id="378" r:id="rId20"/>
+    <p:sldId id="382" r:id="rId21"/>
+    <p:sldId id="385" r:id="rId22"/>
+    <p:sldId id="384" r:id="rId23"/>
+    <p:sldId id="380" r:id="rId24"/>
+    <p:sldId id="383" r:id="rId25"/>
   </p:sldIdLst>
   <p:sldSz cx="12192000" cy="6858000"/>
   <p:notesSz cx="6858000" cy="9144000"/>
@@ -150,7 +156,17 @@
             <p14:sldId id="374"/>
             <p14:sldId id="375"/>
             <p14:sldId id="377"/>
+          </p14:sldIdLst>
+        </p14:section>
+        <p14:section name="9/20" id="{58006661-51D5-4FD5-AF52-3B9493C3C6B8}">
+          <p14:sldIdLst>
+            <p14:sldId id="379"/>
             <p14:sldId id="378"/>
+            <p14:sldId id="382"/>
+            <p14:sldId id="385"/>
+            <p14:sldId id="384"/>
+            <p14:sldId id="380"/>
+            <p14:sldId id="383"/>
           </p14:sldIdLst>
         </p14:section>
       </p14:sectionLst>
@@ -1892,7 +1908,7 @@
           <a:p>
             <a:fld id="{3F908B55-4B1A-4E0A-A383-4812071FEBF5}" type="datetimeFigureOut">
               <a:rPr lang="zh-TW" altLang="en-US" smtClean="0"/>
-              <a:t>2022/9/14</a:t>
+              <a:t>2022/9/20</a:t>
             </a:fld>
             <a:endParaRPr lang="zh-TW" altLang="en-US"/>
           </a:p>
@@ -2515,6 +2531,199 @@
 </p:notes>
 </file>
 
+<file path=ppt/notesSlides/notesSlide13.xml><?xml version="1.0" encoding="utf-8"?>
+<p:notes xmlns:a="http://schemas.openxmlformats.org/drawingml/2006/main" xmlns:r="http://schemas.openxmlformats.org/officeDocument/2006/relationships" xmlns:p="http://schemas.openxmlformats.org/presentationml/2006/main">
+  <p:cSld>
+    <p:spTree>
+      <p:nvGrpSpPr>
+        <p:cNvPr id="1" name=""/>
+        <p:cNvGrpSpPr/>
+        <p:nvPr/>
+      </p:nvGrpSpPr>
+      <p:grpSpPr>
+        <a:xfrm>
+          <a:off x="0" y="0"/>
+          <a:ext cx="0" cy="0"/>
+          <a:chOff x="0" y="0"/>
+          <a:chExt cx="0" cy="0"/>
+        </a:xfrm>
+      </p:grpSpPr>
+      <p:sp>
+        <p:nvSpPr>
+          <p:cNvPr id="2" name="投影片影像版面配置區 1"/>
+          <p:cNvSpPr>
+            <a:spLocks noGrp="1" noRot="1" noChangeAspect="1"/>
+          </p:cNvSpPr>
+          <p:nvPr>
+            <p:ph type="sldImg"/>
+          </p:nvPr>
+        </p:nvSpPr>
+        <p:spPr/>
+      </p:sp>
+      <p:sp>
+        <p:nvSpPr>
+          <p:cNvPr id="3" name="備忘稿版面配置區 2"/>
+          <p:cNvSpPr>
+            <a:spLocks noGrp="1"/>
+          </p:cNvSpPr>
+          <p:nvPr>
+            <p:ph type="body" idx="1"/>
+          </p:nvPr>
+        </p:nvSpPr>
+        <p:spPr/>
+        <p:txBody>
+          <a:bodyPr/>
+          <a:lstStyle/>
+          <a:p>
+            <a:r>
+              <a:rPr lang="en-US" altLang="zh-TW" dirty="0"/>
+              <a:t>Fitness</a:t>
+            </a:r>
+          </a:p>
+          <a:p>
+            <a:r>
+              <a:rPr lang="en-US" altLang="zh-TW" dirty="0"/>
+              <a:t>Overlap transform</a:t>
+            </a:r>
+            <a:endParaRPr lang="zh-TW" altLang="en-US" dirty="0"/>
+          </a:p>
+        </p:txBody>
+      </p:sp>
+      <p:sp>
+        <p:nvSpPr>
+          <p:cNvPr id="4" name="投影片編號版面配置區 3"/>
+          <p:cNvSpPr>
+            <a:spLocks noGrp="1"/>
+          </p:cNvSpPr>
+          <p:nvPr>
+            <p:ph type="sldNum" sz="quarter" idx="5"/>
+          </p:nvPr>
+        </p:nvSpPr>
+        <p:spPr/>
+        <p:txBody>
+          <a:bodyPr/>
+          <a:lstStyle/>
+          <a:p>
+            <a:fld id="{6872B3E9-0D97-4CE8-B0DF-442F44951F64}" type="slidenum">
+              <a:rPr lang="zh-TW" altLang="en-US" smtClean="0"/>
+              <a:t>18</a:t>
+            </a:fld>
+            <a:endParaRPr lang="zh-TW" altLang="en-US"/>
+          </a:p>
+        </p:txBody>
+      </p:sp>
+    </p:spTree>
+    <p:extLst>
+      <p:ext uri="{BB962C8B-B14F-4D97-AF65-F5344CB8AC3E}">
+        <p14:creationId xmlns:p14="http://schemas.microsoft.com/office/powerpoint/2010/main" val="386762755"/>
+      </p:ext>
+    </p:extLst>
+  </p:cSld>
+  <p:clrMapOvr>
+    <a:masterClrMapping/>
+  </p:clrMapOvr>
+</p:notes>
+</file>
+
+<file path=ppt/notesSlides/notesSlide14.xml><?xml version="1.0" encoding="utf-8"?>
+<p:notes xmlns:a="http://schemas.openxmlformats.org/drawingml/2006/main" xmlns:r="http://schemas.openxmlformats.org/officeDocument/2006/relationships" xmlns:p="http://schemas.openxmlformats.org/presentationml/2006/main">
+  <p:cSld>
+    <p:spTree>
+      <p:nvGrpSpPr>
+        <p:cNvPr id="1" name=""/>
+        <p:cNvGrpSpPr/>
+        <p:nvPr/>
+      </p:nvGrpSpPr>
+      <p:grpSpPr>
+        <a:xfrm>
+          <a:off x="0" y="0"/>
+          <a:ext cx="0" cy="0"/>
+          <a:chOff x="0" y="0"/>
+          <a:chExt cx="0" cy="0"/>
+        </a:xfrm>
+      </p:grpSpPr>
+      <p:sp>
+        <p:nvSpPr>
+          <p:cNvPr id="2" name="投影片影像版面配置區 1"/>
+          <p:cNvSpPr>
+            <a:spLocks noGrp="1" noRot="1" noChangeAspect="1"/>
+          </p:cNvSpPr>
+          <p:nvPr>
+            <p:ph type="sldImg"/>
+          </p:nvPr>
+        </p:nvSpPr>
+        <p:spPr/>
+      </p:sp>
+      <p:sp>
+        <p:nvSpPr>
+          <p:cNvPr id="3" name="備忘稿版面配置區 2"/>
+          <p:cNvSpPr>
+            <a:spLocks noGrp="1"/>
+          </p:cNvSpPr>
+          <p:nvPr>
+            <p:ph type="body" idx="1"/>
+          </p:nvPr>
+        </p:nvSpPr>
+        <p:spPr/>
+        <p:txBody>
+          <a:bodyPr/>
+          <a:lstStyle/>
+          <a:p>
+            <a:r>
+              <a:rPr lang="en-US" altLang="zh-TW" dirty="0"/>
+              <a:t>X, Y,</a:t>
+            </a:r>
+            <a:r>
+              <a:rPr lang="zh-TW" altLang="en-US" dirty="0"/>
+              <a:t> </a:t>
+            </a:r>
+            <a:r>
+              <a:rPr lang="en-US" altLang="zh-TW" dirty="0"/>
+              <a:t>Z</a:t>
+            </a:r>
+            <a:r>
+              <a:rPr lang="zh-TW" altLang="en-US" dirty="0"/>
+              <a:t> </a:t>
+            </a:r>
+          </a:p>
+        </p:txBody>
+      </p:sp>
+      <p:sp>
+        <p:nvSpPr>
+          <p:cNvPr id="4" name="投影片編號版面配置區 3"/>
+          <p:cNvSpPr>
+            <a:spLocks noGrp="1"/>
+          </p:cNvSpPr>
+          <p:nvPr>
+            <p:ph type="sldNum" sz="quarter" idx="5"/>
+          </p:nvPr>
+        </p:nvSpPr>
+        <p:spPr/>
+        <p:txBody>
+          <a:bodyPr/>
+          <a:lstStyle/>
+          <a:p>
+            <a:fld id="{6872B3E9-0D97-4CE8-B0DF-442F44951F64}" type="slidenum">
+              <a:rPr lang="zh-TW" altLang="en-US" smtClean="0"/>
+              <a:t>21</a:t>
+            </a:fld>
+            <a:endParaRPr lang="zh-TW" altLang="en-US"/>
+          </a:p>
+        </p:txBody>
+      </p:sp>
+    </p:spTree>
+    <p:extLst>
+      <p:ext uri="{BB962C8B-B14F-4D97-AF65-F5344CB8AC3E}">
+        <p14:creationId xmlns:p14="http://schemas.microsoft.com/office/powerpoint/2010/main" val="929663150"/>
+      </p:ext>
+    </p:extLst>
+  </p:cSld>
+  <p:clrMapOvr>
+    <a:masterClrMapping/>
+  </p:clrMapOvr>
+</p:notes>
+</file>
+
 <file path=ppt/notesSlides/notesSlide2.xml><?xml version="1.0" encoding="utf-8"?>
 <p:notes xmlns:a="http://schemas.openxmlformats.org/drawingml/2006/main" xmlns:r="http://schemas.openxmlformats.org/officeDocument/2006/relationships" xmlns:p="http://schemas.openxmlformats.org/presentationml/2006/main">
   <p:cSld>
@@ -3511,7 +3720,7 @@
           <a:p>
             <a:fld id="{432CB213-D9FA-458B-89FB-3EF41A0384E7}" type="datetimeFigureOut">
               <a:rPr lang="en-US" smtClean="0"/>
-              <a:t>9/14/2022</a:t>
+              <a:t>9/20/2022</a:t>
             </a:fld>
             <a:endParaRPr lang="en-US"/>
           </a:p>
@@ -3711,7 +3920,7 @@
           <a:p>
             <a:fld id="{432CB213-D9FA-458B-89FB-3EF41A0384E7}" type="datetimeFigureOut">
               <a:rPr lang="en-US" smtClean="0"/>
-              <a:t>9/14/2022</a:t>
+              <a:t>9/20/2022</a:t>
             </a:fld>
             <a:endParaRPr lang="en-US"/>
           </a:p>
@@ -3921,7 +4130,7 @@
           <a:p>
             <a:fld id="{432CB213-D9FA-458B-89FB-3EF41A0384E7}" type="datetimeFigureOut">
               <a:rPr lang="en-US" smtClean="0"/>
-              <a:t>9/14/2022</a:t>
+              <a:t>9/20/2022</a:t>
             </a:fld>
             <a:endParaRPr lang="en-US"/>
           </a:p>
@@ -4121,7 +4330,7 @@
           <a:p>
             <a:fld id="{432CB213-D9FA-458B-89FB-3EF41A0384E7}" type="datetimeFigureOut">
               <a:rPr lang="en-US" smtClean="0"/>
-              <a:t>9/14/2022</a:t>
+              <a:t>9/20/2022</a:t>
             </a:fld>
             <a:endParaRPr lang="en-US"/>
           </a:p>
@@ -4397,7 +4606,7 @@
           <a:p>
             <a:fld id="{432CB213-D9FA-458B-89FB-3EF41A0384E7}" type="datetimeFigureOut">
               <a:rPr lang="en-US" smtClean="0"/>
-              <a:t>9/14/2022</a:t>
+              <a:t>9/20/2022</a:t>
             </a:fld>
             <a:endParaRPr lang="en-US"/>
           </a:p>
@@ -4665,7 +4874,7 @@
           <a:p>
             <a:fld id="{432CB213-D9FA-458B-89FB-3EF41A0384E7}" type="datetimeFigureOut">
               <a:rPr lang="en-US" smtClean="0"/>
-              <a:t>9/14/2022</a:t>
+              <a:t>9/20/2022</a:t>
             </a:fld>
             <a:endParaRPr lang="en-US"/>
           </a:p>
@@ -5080,7 +5289,7 @@
           <a:p>
             <a:fld id="{432CB213-D9FA-458B-89FB-3EF41A0384E7}" type="datetimeFigureOut">
               <a:rPr lang="en-US" smtClean="0"/>
-              <a:t>9/14/2022</a:t>
+              <a:t>9/20/2022</a:t>
             </a:fld>
             <a:endParaRPr lang="en-US"/>
           </a:p>
@@ -5222,7 +5431,7 @@
           <a:p>
             <a:fld id="{432CB213-D9FA-458B-89FB-3EF41A0384E7}" type="datetimeFigureOut">
               <a:rPr lang="en-US" smtClean="0"/>
-              <a:t>9/14/2022</a:t>
+              <a:t>9/20/2022</a:t>
             </a:fld>
             <a:endParaRPr lang="en-US"/>
           </a:p>
@@ -5335,7 +5544,7 @@
           <a:p>
             <a:fld id="{432CB213-D9FA-458B-89FB-3EF41A0384E7}" type="datetimeFigureOut">
               <a:rPr lang="en-US" smtClean="0"/>
-              <a:t>9/14/2022</a:t>
+              <a:t>9/20/2022</a:t>
             </a:fld>
             <a:endParaRPr lang="en-US"/>
           </a:p>
@@ -5648,7 +5857,7 @@
           <a:p>
             <a:fld id="{432CB213-D9FA-458B-89FB-3EF41A0384E7}" type="datetimeFigureOut">
               <a:rPr lang="en-US" smtClean="0"/>
-              <a:t>9/14/2022</a:t>
+              <a:t>9/20/2022</a:t>
             </a:fld>
             <a:endParaRPr lang="en-US"/>
           </a:p>
@@ -5937,7 +6146,7 @@
           <a:p>
             <a:fld id="{432CB213-D9FA-458B-89FB-3EF41A0384E7}" type="datetimeFigureOut">
               <a:rPr lang="en-US" smtClean="0"/>
-              <a:t>9/14/2022</a:t>
+              <a:t>9/20/2022</a:t>
             </a:fld>
             <a:endParaRPr lang="en-US"/>
           </a:p>
@@ -6180,7 +6389,7 @@
           <a:p>
             <a:fld id="{432CB213-D9FA-458B-89FB-3EF41A0384E7}" type="datetimeFigureOut">
               <a:rPr lang="en-US" smtClean="0"/>
-              <a:t>9/14/2022</a:t>
+              <a:t>9/20/2022</a:t>
             </a:fld>
             <a:endParaRPr lang="en-US"/>
           </a:p>
@@ -7956,20 +8165,6 @@
             <a:endParaRPr lang="zh-TW" altLang="en-US" sz="2000" dirty="0"/>
           </a:p>
           <a:p>
-            <a:pPr marL="457200" lvl="1" indent="0">
-              <a:buNone/>
-            </a:pPr>
-            <a:endParaRPr lang="zh-TW" altLang="en-US" sz="2000" dirty="0"/>
-          </a:p>
-          <a:p>
-            <a:pPr lvl="1"/>
-            <a:endParaRPr lang="en-US" altLang="zh-TW" sz="2000" dirty="0"/>
-          </a:p>
-          <a:p>
-            <a:pPr lvl="1"/>
-            <a:endParaRPr lang="zh-TW" altLang="en-US" sz="2000" dirty="0"/>
-          </a:p>
-          <a:p>
             <a:endParaRPr lang="zh-TW" altLang="en-US" sz="2400" dirty="0"/>
           </a:p>
         </p:txBody>
@@ -8006,10 +8201,151 @@
       </p:grpSpPr>
       <p:sp>
         <p:nvSpPr>
-          <p:cNvPr id="2" name="標題 1">
+          <p:cNvPr id="3" name="內容版面配置區 2">
             <a:extLst>
               <a:ext uri="{FF2B5EF4-FFF2-40B4-BE49-F238E27FC236}">
-                <a16:creationId xmlns:a16="http://schemas.microsoft.com/office/drawing/2014/main" id="{1FAB81AC-DE74-4F70-B6D9-8110B44B7205}"/>
+                <a16:creationId xmlns:a16="http://schemas.microsoft.com/office/drawing/2014/main" id="{EEFE1560-1652-41C1-90ED-5AD7B820A971}"/>
+              </a:ext>
+            </a:extLst>
+          </p:cNvPr>
+          <p:cNvSpPr>
+            <a:spLocks noGrp="1"/>
+          </p:cNvSpPr>
+          <p:nvPr>
+            <p:ph idx="1"/>
+          </p:nvPr>
+        </p:nvSpPr>
+        <p:spPr>
+          <a:xfrm>
+            <a:off x="384976" y="1817674"/>
+            <a:ext cx="11136464" cy="4909608"/>
+          </a:xfrm>
+        </p:spPr>
+        <p:txBody>
+          <a:bodyPr>
+            <a:normAutofit/>
+          </a:bodyPr>
+          <a:lstStyle/>
+          <a:p>
+            <a:pPr lvl="1">
+              <a:lnSpc>
+                <a:spcPct val="150000"/>
+              </a:lnSpc>
+            </a:pPr>
+            <a:r>
+              <a:rPr lang="en-US" altLang="zh-TW" dirty="0">
+                <a:sym typeface="Wingdings" panose="05000000000000000000" pitchFamily="2" charset="2"/>
+              </a:rPr>
+              <a:t>PCA</a:t>
+            </a:r>
+            <a:r>
+              <a:rPr lang="zh-TW" altLang="en-US" dirty="0">
+                <a:sym typeface="Wingdings" panose="05000000000000000000" pitchFamily="2" charset="2"/>
+              </a:rPr>
+              <a:t> </a:t>
+            </a:r>
+            <a:endParaRPr lang="en-US" altLang="zh-TW" dirty="0">
+              <a:sym typeface="Wingdings" panose="05000000000000000000" pitchFamily="2" charset="2"/>
+            </a:endParaRPr>
+          </a:p>
+          <a:p>
+            <a:pPr lvl="2">
+              <a:lnSpc>
+                <a:spcPct val="150000"/>
+              </a:lnSpc>
+            </a:pPr>
+            <a:r>
+              <a:rPr lang="en-US" altLang="zh-TW" dirty="0">
+                <a:sym typeface="Wingdings" panose="05000000000000000000" pitchFamily="2" charset="2"/>
+              </a:rPr>
+              <a:t>by ABS(weights)</a:t>
+            </a:r>
+          </a:p>
+          <a:p>
+            <a:pPr lvl="1">
+              <a:lnSpc>
+                <a:spcPct val="150000"/>
+              </a:lnSpc>
+            </a:pPr>
+            <a:r>
+              <a:rPr lang="en-US" altLang="zh-TW" dirty="0">
+                <a:sym typeface="Wingdings" panose="05000000000000000000" pitchFamily="2" charset="2"/>
+              </a:rPr>
+              <a:t>Classification</a:t>
+            </a:r>
+          </a:p>
+          <a:p>
+            <a:pPr lvl="2">
+              <a:lnSpc>
+                <a:spcPct val="150000"/>
+              </a:lnSpc>
+            </a:pPr>
+            <a:r>
+              <a:rPr lang="en-US" altLang="zh-TW" dirty="0">
+                <a:sym typeface="Wingdings" panose="05000000000000000000" pitchFamily="2" charset="2"/>
+              </a:rPr>
+              <a:t>Record F1, Recall, and precision</a:t>
+            </a:r>
+          </a:p>
+          <a:p>
+            <a:pPr lvl="2">
+              <a:lnSpc>
+                <a:spcPct val="150000"/>
+              </a:lnSpc>
+            </a:pPr>
+            <a:r>
+              <a:rPr lang="en-US" altLang="zh-TW" dirty="0">
+                <a:sym typeface="Wingdings" panose="05000000000000000000" pitchFamily="2" charset="2"/>
+              </a:rPr>
+              <a:t>Overlap transform</a:t>
+            </a:r>
+          </a:p>
+          <a:p>
+            <a:pPr lvl="1">
+              <a:lnSpc>
+                <a:spcPct val="150000"/>
+              </a:lnSpc>
+            </a:pPr>
+            <a:r>
+              <a:rPr lang="en-US" altLang="zh-TW" dirty="0"/>
+              <a:t>Grouping methods</a:t>
+            </a:r>
+          </a:p>
+          <a:p>
+            <a:pPr lvl="2">
+              <a:lnSpc>
+                <a:spcPct val="150000"/>
+              </a:lnSpc>
+            </a:pPr>
+            <a:r>
+              <a:rPr lang="en-US" altLang="zh-TW" dirty="0"/>
+              <a:t>Grouped </a:t>
+            </a:r>
+            <a:r>
+              <a:rPr lang="en-US" altLang="zh-TW" dirty="0" err="1"/>
+              <a:t>Dataframe</a:t>
+            </a:r>
+            <a:r>
+              <a:rPr lang="en-US" altLang="zh-TW" dirty="0"/>
+              <a:t> read-in</a:t>
+            </a:r>
+          </a:p>
+          <a:p>
+            <a:pPr lvl="2">
+              <a:lnSpc>
+                <a:spcPct val="150000"/>
+              </a:lnSpc>
+            </a:pPr>
+            <a:endParaRPr lang="en-US" altLang="zh-TW" dirty="0"/>
+          </a:p>
+        </p:txBody>
+      </p:sp>
+      <p:sp>
+        <p:nvSpPr>
+          <p:cNvPr id="7" name="標題 1">
+            <a:extLst>
+              <a:ext uri="{FF2B5EF4-FFF2-40B4-BE49-F238E27FC236}">
+                <a16:creationId xmlns:a16="http://schemas.microsoft.com/office/drawing/2014/main" id="{D1556530-1D0B-44B2-9C1C-93664F38FDA7}"/>
               </a:ext>
             </a:extLst>
           </p:cNvPr>
@@ -8020,21 +8356,59 @@
             <p:ph type="title"/>
           </p:nvPr>
         </p:nvSpPr>
-        <p:spPr/>
+        <p:spPr>
+          <a:xfrm>
+            <a:off x="838200" y="365125"/>
+            <a:ext cx="10515600" cy="1325563"/>
+          </a:xfrm>
+        </p:spPr>
         <p:txBody>
           <a:bodyPr/>
           <a:lstStyle/>
           <a:p>
-            <a:endParaRPr lang="zh-TW" altLang="en-US"/>
+            <a:r>
+              <a:rPr lang="en-US" dirty="0"/>
+              <a:t>Weekly Progress - minor fix</a:t>
+            </a:r>
           </a:p>
         </p:txBody>
       </p:sp>
+    </p:spTree>
+    <p:extLst>
+      <p:ext uri="{BB962C8B-B14F-4D97-AF65-F5344CB8AC3E}">
+        <p14:creationId xmlns:p14="http://schemas.microsoft.com/office/powerpoint/2010/main" val="3420156529"/>
+      </p:ext>
+    </p:extLst>
+  </p:cSld>
+  <p:clrMapOvr>
+    <a:masterClrMapping/>
+  </p:clrMapOvr>
+</p:sld>
+</file>
+
+<file path=ppt/slides/slide19.xml><?xml version="1.0" encoding="utf-8"?>
+<p:sld xmlns:a="http://schemas.openxmlformats.org/drawingml/2006/main" xmlns:r="http://schemas.openxmlformats.org/officeDocument/2006/relationships" xmlns:p="http://schemas.openxmlformats.org/presentationml/2006/main">
+  <p:cSld>
+    <p:spTree>
+      <p:nvGrpSpPr>
+        <p:cNvPr id="1" name=""/>
+        <p:cNvGrpSpPr/>
+        <p:nvPr/>
+      </p:nvGrpSpPr>
+      <p:grpSpPr>
+        <a:xfrm>
+          <a:off x="0" y="0"/>
+          <a:ext cx="0" cy="0"/>
+          <a:chOff x="0" y="0"/>
+          <a:chExt cx="0" cy="0"/>
+        </a:xfrm>
+      </p:grpSpPr>
       <p:sp>
         <p:nvSpPr>
-          <p:cNvPr id="3" name="內容版面配置區 2">
+          <p:cNvPr id="5" name="內容版面配置區 2">
             <a:extLst>
               <a:ext uri="{FF2B5EF4-FFF2-40B4-BE49-F238E27FC236}">
-                <a16:creationId xmlns:a16="http://schemas.microsoft.com/office/drawing/2014/main" id="{528091AF-C750-40C0-8E56-C9785DDE8A75}"/>
+                <a16:creationId xmlns:a16="http://schemas.microsoft.com/office/drawing/2014/main" id="{627BB39B-9475-4642-B2CF-EFCFB92E8B8B}"/>
               </a:ext>
             </a:extLst>
           </p:cNvPr>
@@ -8045,12 +8419,163 @@
             <p:ph idx="1"/>
           </p:nvPr>
         </p:nvSpPr>
-        <p:spPr/>
+        <p:spPr>
+          <a:xfrm>
+            <a:off x="384976" y="1817674"/>
+            <a:ext cx="11136464" cy="4675201"/>
+          </a:xfrm>
+        </p:spPr>
+        <p:txBody>
+          <a:bodyPr>
+            <a:normAutofit/>
+          </a:bodyPr>
+          <a:lstStyle/>
+          <a:p>
+            <a:pPr lvl="1">
+              <a:lnSpc>
+                <a:spcPct val="150000"/>
+              </a:lnSpc>
+            </a:pPr>
+            <a:r>
+              <a:rPr lang="en-US" altLang="zh-TW" dirty="0">
+                <a:highlight>
+                  <a:srgbClr val="FFFFFF"/>
+                </a:highlight>
+                <a:sym typeface="Wingdings" panose="05000000000000000000" pitchFamily="2" charset="2"/>
+              </a:rPr>
+              <a:t>Classification comparison between different </a:t>
+            </a:r>
+            <a:r>
+              <a:rPr lang="en-US" altLang="zh-TW" dirty="0">
+                <a:solidFill>
+                  <a:srgbClr val="FF0000"/>
+                </a:solidFill>
+                <a:highlight>
+                  <a:srgbClr val="FFFFFF"/>
+                </a:highlight>
+                <a:sym typeface="Wingdings" panose="05000000000000000000" pitchFamily="2" charset="2"/>
+              </a:rPr>
+              <a:t>shapes</a:t>
+            </a:r>
+            <a:r>
+              <a:rPr lang="en-US" altLang="zh-TW" dirty="0">
+                <a:highlight>
+                  <a:srgbClr val="FFFFFF"/>
+                </a:highlight>
+                <a:sym typeface="Wingdings" panose="05000000000000000000" pitchFamily="2" charset="2"/>
+              </a:rPr>
+              <a:t>, and </a:t>
+            </a:r>
+            <a:r>
+              <a:rPr lang="en-US" altLang="zh-TW" dirty="0">
+                <a:solidFill>
+                  <a:srgbClr val="7030A0"/>
+                </a:solidFill>
+                <a:highlight>
+                  <a:srgbClr val="FFFFFF"/>
+                </a:highlight>
+              </a:rPr>
+              <a:t>axis-rearrange</a:t>
+            </a:r>
+            <a:r>
+              <a:rPr lang="en-US" altLang="zh-TW" dirty="0">
+                <a:highlight>
+                  <a:srgbClr val="FFFFFF"/>
+                </a:highlight>
+              </a:rPr>
+              <a:t> methods</a:t>
+            </a:r>
+            <a:endParaRPr lang="en-US" altLang="zh-TW" dirty="0">
+              <a:highlight>
+                <a:srgbClr val="FFFFFF"/>
+              </a:highlight>
+              <a:sym typeface="Wingdings" panose="05000000000000000000" pitchFamily="2" charset="2"/>
+            </a:endParaRPr>
+          </a:p>
+          <a:p>
+            <a:pPr lvl="1">
+              <a:lnSpc>
+                <a:spcPct val="150000"/>
+              </a:lnSpc>
+            </a:pPr>
+            <a:r>
+              <a:rPr lang="en-US" altLang="zh-TW" dirty="0"/>
+              <a:t>Grouping methods</a:t>
+            </a:r>
+          </a:p>
+          <a:p>
+            <a:pPr lvl="2">
+              <a:lnSpc>
+                <a:spcPct val="150000"/>
+              </a:lnSpc>
+            </a:pPr>
+            <a:r>
+              <a:rPr lang="en-US" altLang="zh-TW" dirty="0"/>
+              <a:t>Grouping columns by binary correlation</a:t>
+            </a:r>
+          </a:p>
+          <a:p>
+            <a:pPr lvl="1">
+              <a:lnSpc>
+                <a:spcPct val="150000"/>
+              </a:lnSpc>
+            </a:pPr>
+            <a:r>
+              <a:rPr lang="en-US" altLang="zh-TW" dirty="0"/>
+              <a:t>Rearrange column value with type knowledge</a:t>
+            </a:r>
+          </a:p>
+          <a:p>
+            <a:pPr lvl="2">
+              <a:lnSpc>
+                <a:spcPct val="150000"/>
+              </a:lnSpc>
+            </a:pPr>
+            <a:r>
+              <a:rPr lang="en-US" altLang="zh-TW" dirty="0"/>
+              <a:t>Another supervise method</a:t>
+            </a:r>
+          </a:p>
+          <a:p>
+            <a:pPr lvl="1">
+              <a:lnSpc>
+                <a:spcPct val="150000"/>
+              </a:lnSpc>
+            </a:pPr>
+            <a:endParaRPr lang="en-US" altLang="zh-TW" dirty="0"/>
+          </a:p>
+        </p:txBody>
+      </p:sp>
+      <p:sp>
+        <p:nvSpPr>
+          <p:cNvPr id="6" name="標題 1">
+            <a:extLst>
+              <a:ext uri="{FF2B5EF4-FFF2-40B4-BE49-F238E27FC236}">
+                <a16:creationId xmlns:a16="http://schemas.microsoft.com/office/drawing/2014/main" id="{89ECEE33-0D2B-42B5-84DD-2C8297B0229D}"/>
+              </a:ext>
+            </a:extLst>
+          </p:cNvPr>
+          <p:cNvSpPr>
+            <a:spLocks noGrp="1"/>
+          </p:cNvSpPr>
+          <p:nvPr>
+            <p:ph type="title"/>
+          </p:nvPr>
+        </p:nvSpPr>
+        <p:spPr>
+          <a:xfrm>
+            <a:off x="838200" y="365125"/>
+            <a:ext cx="10515600" cy="1325563"/>
+          </a:xfrm>
+        </p:spPr>
         <p:txBody>
           <a:bodyPr/>
           <a:lstStyle/>
           <a:p>
-            <a:endParaRPr lang="zh-TW" altLang="en-US"/>
+            <a:r>
+              <a:rPr lang="en-US" dirty="0"/>
+              <a:t>Weekly Progress - new approaches</a:t>
+            </a:r>
           </a:p>
         </p:txBody>
       </p:sp>
@@ -9667,6 +10192,3682 @@
     <p:extLst>
       <p:ext uri="{BB962C8B-B14F-4D97-AF65-F5344CB8AC3E}">
         <p14:creationId xmlns:p14="http://schemas.microsoft.com/office/powerpoint/2010/main" val="2467653969"/>
+      </p:ext>
+    </p:extLst>
+  </p:cSld>
+  <p:clrMapOvr>
+    <a:masterClrMapping/>
+  </p:clrMapOvr>
+</p:sld>
+</file>
+
+<file path=ppt/slides/slide20.xml><?xml version="1.0" encoding="utf-8"?>
+<p:sld xmlns:a="http://schemas.openxmlformats.org/drawingml/2006/main" xmlns:r="http://schemas.openxmlformats.org/officeDocument/2006/relationships" xmlns:p="http://schemas.openxmlformats.org/presentationml/2006/main">
+  <p:cSld>
+    <p:spTree>
+      <p:nvGrpSpPr>
+        <p:cNvPr id="1" name=""/>
+        <p:cNvGrpSpPr/>
+        <p:nvPr/>
+      </p:nvGrpSpPr>
+      <p:grpSpPr>
+        <a:xfrm>
+          <a:off x="0" y="0"/>
+          <a:ext cx="0" cy="0"/>
+          <a:chOff x="0" y="0"/>
+          <a:chExt cx="0" cy="0"/>
+        </a:xfrm>
+      </p:grpSpPr>
+      <p:pic>
+        <p:nvPicPr>
+          <p:cNvPr id="5" name="內容版面配置區 4">
+            <a:extLst>
+              <a:ext uri="{FF2B5EF4-FFF2-40B4-BE49-F238E27FC236}">
+                <a16:creationId xmlns:a16="http://schemas.microsoft.com/office/drawing/2014/main" id="{FA1A5EAE-C975-48F3-AC31-CA707150114B}"/>
+              </a:ext>
+            </a:extLst>
+          </p:cNvPr>
+          <p:cNvPicPr>
+            <a:picLocks noGrp="1" noChangeAspect="1"/>
+          </p:cNvPicPr>
+          <p:nvPr>
+            <p:ph idx="1"/>
+          </p:nvPr>
+        </p:nvPicPr>
+        <p:blipFill>
+          <a:blip r:embed="rId2">
+            <a:extLst>
+              <a:ext uri="{28A0092B-C50C-407E-A947-70E740481C1C}">
+                <a14:useLocalDpi xmlns:a14="http://schemas.microsoft.com/office/drawing/2010/main" val="0"/>
+              </a:ext>
+            </a:extLst>
+          </a:blip>
+          <a:stretch>
+            <a:fillRect/>
+          </a:stretch>
+        </p:blipFill>
+        <p:spPr>
+          <a:xfrm>
+            <a:off x="1821598" y="554477"/>
+            <a:ext cx="7445154" cy="5938398"/>
+          </a:xfrm>
+        </p:spPr>
+      </p:pic>
+    </p:spTree>
+    <p:extLst>
+      <p:ext uri="{BB962C8B-B14F-4D97-AF65-F5344CB8AC3E}">
+        <p14:creationId xmlns:p14="http://schemas.microsoft.com/office/powerpoint/2010/main" val="3112079480"/>
+      </p:ext>
+    </p:extLst>
+  </p:cSld>
+  <p:clrMapOvr>
+    <a:masterClrMapping/>
+  </p:clrMapOvr>
+</p:sld>
+</file>
+
+<file path=ppt/slides/slide21.xml><?xml version="1.0" encoding="utf-8"?>
+<p:sld xmlns:a="http://schemas.openxmlformats.org/drawingml/2006/main" xmlns:r="http://schemas.openxmlformats.org/officeDocument/2006/relationships" xmlns:p="http://schemas.openxmlformats.org/presentationml/2006/main">
+  <p:cSld>
+    <p:spTree>
+      <p:nvGrpSpPr>
+        <p:cNvPr id="1" name=""/>
+        <p:cNvGrpSpPr/>
+        <p:nvPr/>
+      </p:nvGrpSpPr>
+      <p:grpSpPr>
+        <a:xfrm>
+          <a:off x="0" y="0"/>
+          <a:ext cx="0" cy="0"/>
+          <a:chOff x="0" y="0"/>
+          <a:chExt cx="0" cy="0"/>
+        </a:xfrm>
+      </p:grpSpPr>
+      <p:graphicFrame>
+        <p:nvGraphicFramePr>
+          <p:cNvPr id="5" name="內容版面配置區 3">
+            <a:extLst>
+              <a:ext uri="{FF2B5EF4-FFF2-40B4-BE49-F238E27FC236}">
+                <a16:creationId xmlns:a16="http://schemas.microsoft.com/office/drawing/2014/main" id="{1D6FEBC4-BBDC-44F1-9CC7-719BF203019B}"/>
+              </a:ext>
+            </a:extLst>
+          </p:cNvPr>
+          <p:cNvGraphicFramePr>
+            <a:graphicFrameLocks/>
+          </p:cNvGraphicFramePr>
+          <p:nvPr>
+            <p:extLst/>
+          </p:nvPr>
+        </p:nvGraphicFramePr>
+        <p:xfrm>
+          <a:off x="1023098" y="2341152"/>
+          <a:ext cx="9293366" cy="3095677"/>
+        </p:xfrm>
+        <a:graphic>
+          <a:graphicData uri="http://schemas.openxmlformats.org/drawingml/2006/table">
+            <a:tbl>
+              <a:tblPr firstRow="1" bandRow="1">
+                <a:tableStyleId>{5C22544A-7EE6-4342-B048-85BDC9FD1C3A}</a:tableStyleId>
+              </a:tblPr>
+              <a:tblGrid>
+                <a:gridCol w="1908459">
+                  <a:extLst>
+                    <a:ext uri="{9D8B030D-6E8A-4147-A177-3AD203B41FA5}">
+                      <a16:colId xmlns:a16="http://schemas.microsoft.com/office/drawing/2014/main" val="3517444933"/>
+                    </a:ext>
+                  </a:extLst>
+                </a:gridCol>
+                <a:gridCol w="1908459">
+                  <a:extLst>
+                    <a:ext uri="{9D8B030D-6E8A-4147-A177-3AD203B41FA5}">
+                      <a16:colId xmlns:a16="http://schemas.microsoft.com/office/drawing/2014/main" val="2243825239"/>
+                    </a:ext>
+                  </a:extLst>
+                </a:gridCol>
+                <a:gridCol w="829765">
+                  <a:extLst>
+                    <a:ext uri="{9D8B030D-6E8A-4147-A177-3AD203B41FA5}">
+                      <a16:colId xmlns:a16="http://schemas.microsoft.com/office/drawing/2014/main" val="3187060049"/>
+                    </a:ext>
+                  </a:extLst>
+                </a:gridCol>
+                <a:gridCol w="1908459">
+                  <a:extLst>
+                    <a:ext uri="{9D8B030D-6E8A-4147-A177-3AD203B41FA5}">
+                      <a16:colId xmlns:a16="http://schemas.microsoft.com/office/drawing/2014/main" val="2454957461"/>
+                    </a:ext>
+                  </a:extLst>
+                </a:gridCol>
+                <a:gridCol w="829765">
+                  <a:extLst>
+                    <a:ext uri="{9D8B030D-6E8A-4147-A177-3AD203B41FA5}">
+                      <a16:colId xmlns:a16="http://schemas.microsoft.com/office/drawing/2014/main" val="3809897591"/>
+                    </a:ext>
+                  </a:extLst>
+                </a:gridCol>
+                <a:gridCol w="1908459">
+                  <a:extLst>
+                    <a:ext uri="{9D8B030D-6E8A-4147-A177-3AD203B41FA5}">
+                      <a16:colId xmlns:a16="http://schemas.microsoft.com/office/drawing/2014/main" val="3201319793"/>
+                    </a:ext>
+                  </a:extLst>
+                </a:gridCol>
+              </a:tblGrid>
+              <a:tr h="443917">
+                <a:tc gridSpan="6">
+                  <a:txBody>
+                    <a:bodyPr/>
+                    <a:lstStyle/>
+                    <a:p>
+                      <a:pPr algn="ctr"/>
+                      <a:r>
+                        <a:rPr lang="en-US" dirty="0"/>
+                        <a:t>Encoding each column group</a:t>
+                      </a:r>
+                    </a:p>
+                  </a:txBody>
+                  <a:tcPr anchor="ctr"/>
+                </a:tc>
+                <a:tc hMerge="1">
+                  <a:txBody>
+                    <a:bodyPr/>
+                    <a:lstStyle/>
+                    <a:p>
+                      <a:pPr algn="ctr"/>
+                      <a:endParaRPr lang="en-US" dirty="0"/>
+                    </a:p>
+                  </a:txBody>
+                  <a:tcPr anchor="ctr"/>
+                </a:tc>
+                <a:tc hMerge="1">
+                  <a:txBody>
+                    <a:bodyPr/>
+                    <a:lstStyle/>
+                    <a:p>
+                      <a:pPr algn="ctr"/>
+                      <a:endParaRPr lang="en-US" dirty="0">
+                        <a:solidFill>
+                          <a:schemeClr val="tx1"/>
+                        </a:solidFill>
+                      </a:endParaRPr>
+                    </a:p>
+                  </a:txBody>
+                  <a:tcPr anchor="ctr">
+                    <a:solidFill>
+                      <a:schemeClr val="bg1"/>
+                    </a:solidFill>
+                  </a:tcPr>
+                </a:tc>
+                <a:tc hMerge="1">
+                  <a:txBody>
+                    <a:bodyPr/>
+                    <a:lstStyle/>
+                    <a:p>
+                      <a:pPr algn="ctr"/>
+                      <a:endParaRPr lang="en-US" dirty="0"/>
+                    </a:p>
+                  </a:txBody>
+                  <a:tcPr anchor="ctr"/>
+                </a:tc>
+                <a:tc hMerge="1">
+                  <a:txBody>
+                    <a:bodyPr/>
+                    <a:lstStyle/>
+                    <a:p>
+                      <a:pPr algn="ctr"/>
+                      <a:endParaRPr lang="en-US" dirty="0"/>
+                    </a:p>
+                  </a:txBody>
+                  <a:tcPr anchor="ctr">
+                    <a:solidFill>
+                      <a:schemeClr val="bg1"/>
+                    </a:solidFill>
+                  </a:tcPr>
+                </a:tc>
+                <a:tc hMerge="1">
+                  <a:txBody>
+                    <a:bodyPr/>
+                    <a:lstStyle/>
+                    <a:p>
+                      <a:pPr algn="ctr"/>
+                      <a:endParaRPr lang="en-US" dirty="0"/>
+                    </a:p>
+                  </a:txBody>
+                  <a:tcPr anchor="ctr"/>
+                </a:tc>
+                <a:extLst>
+                  <a:ext uri="{0D108BD9-81ED-4DB2-BD59-A6C34878D82A}">
+                    <a16:rowId xmlns:a16="http://schemas.microsoft.com/office/drawing/2014/main" val="2904193159"/>
+                  </a:ext>
+                </a:extLst>
+              </a:tr>
+              <a:tr h="443917">
+                <a:tc rowSpan="2">
+                  <a:txBody>
+                    <a:bodyPr/>
+                    <a:lstStyle/>
+                    <a:p>
+                      <a:pPr algn="ctr"/>
+                      <a:r>
+                        <a:rPr lang="en-US" altLang="zh-TW" b="1" dirty="0">
+                          <a:solidFill>
+                            <a:schemeClr val="bg1"/>
+                          </a:solidFill>
+                        </a:rPr>
+                        <a:t>Unsupervised</a:t>
+                      </a:r>
+                      <a:endParaRPr lang="en-US" b="1" dirty="0">
+                        <a:solidFill>
+                          <a:schemeClr val="bg1"/>
+                        </a:solidFill>
+                      </a:endParaRPr>
+                    </a:p>
+                  </a:txBody>
+                  <a:tcPr anchor="ctr">
+                    <a:solidFill>
+                      <a:srgbClr val="E74C3C"/>
+                    </a:solidFill>
+                  </a:tcPr>
+                </a:tc>
+                <a:tc>
+                  <a:txBody>
+                    <a:bodyPr/>
+                    <a:lstStyle/>
+                    <a:p>
+                      <a:pPr algn="ctr"/>
+                      <a:r>
+                        <a:rPr lang="en-US" b="1" dirty="0">
+                          <a:solidFill>
+                            <a:schemeClr val="bg1"/>
+                          </a:solidFill>
+                        </a:rPr>
+                        <a:t>Column attribute</a:t>
+                      </a:r>
+                    </a:p>
+                  </a:txBody>
+                  <a:tcPr anchor="ctr">
+                    <a:solidFill>
+                      <a:srgbClr val="FFC000"/>
+                    </a:solidFill>
+                  </a:tcPr>
+                </a:tc>
+                <a:tc rowSpan="2">
+                  <a:txBody>
+                    <a:bodyPr/>
+                    <a:lstStyle/>
+                    <a:p>
+                      <a:pPr algn="ctr">
+                        <a:lnSpc>
+                          <a:spcPct val="120000"/>
+                        </a:lnSpc>
+                      </a:pPr>
+                      <a:r>
+                        <a:rPr lang="en-US" sz="1600" b="1" dirty="0">
+                          <a:solidFill>
+                            <a:schemeClr val="tx1"/>
+                          </a:solidFill>
+                          <a:sym typeface="Wingdings" panose="05000000000000000000" pitchFamily="2" charset="2"/>
+                        </a:rPr>
+                        <a:t></a:t>
+                      </a:r>
+                      <a:endParaRPr lang="en-US" sz="1600" b="1" dirty="0">
+                        <a:solidFill>
+                          <a:schemeClr val="tx1"/>
+                        </a:solidFill>
+                      </a:endParaRPr>
+                    </a:p>
+                  </a:txBody>
+                  <a:tcPr anchor="ctr">
+                    <a:solidFill>
+                      <a:schemeClr val="bg1"/>
+                    </a:solidFill>
+                  </a:tcPr>
+                </a:tc>
+                <a:tc>
+                  <a:txBody>
+                    <a:bodyPr/>
+                    <a:lstStyle/>
+                    <a:p>
+                      <a:pPr algn="ctr"/>
+                      <a:r>
+                        <a:rPr lang="en-US" b="1" dirty="0">
+                          <a:solidFill>
+                            <a:schemeClr val="bg1"/>
+                          </a:solidFill>
+                        </a:rPr>
+                        <a:t>Sorting</a:t>
+                      </a:r>
+                      <a:r>
+                        <a:rPr lang="en-US" b="1" dirty="0"/>
+                        <a:t> </a:t>
+                      </a:r>
+                      <a:r>
+                        <a:rPr lang="en-US" b="1" dirty="0">
+                          <a:solidFill>
+                            <a:schemeClr val="bg1"/>
+                          </a:solidFill>
+                        </a:rPr>
+                        <a:t>rule</a:t>
+                      </a:r>
+                    </a:p>
+                  </a:txBody>
+                  <a:tcPr anchor="ctr">
+                    <a:solidFill>
+                      <a:srgbClr val="00B050"/>
+                    </a:solidFill>
+                  </a:tcPr>
+                </a:tc>
+                <a:tc rowSpan="2">
+                  <a:txBody>
+                    <a:bodyPr/>
+                    <a:lstStyle/>
+                    <a:p>
+                      <a:pPr marL="0" marR="0" lvl="0" indent="0" algn="ctr" defTabSz="914400" rtl="0" eaLnBrk="1" fontAlgn="auto" latinLnBrk="0" hangingPunct="1">
+                        <a:lnSpc>
+                          <a:spcPct val="120000"/>
+                        </a:lnSpc>
+                        <a:spcBef>
+                          <a:spcPts val="0"/>
+                        </a:spcBef>
+                        <a:spcAft>
+                          <a:spcPts val="0"/>
+                        </a:spcAft>
+                        <a:buClrTx/>
+                        <a:buSzTx/>
+                        <a:buFontTx/>
+                        <a:buNone/>
+                        <a:tabLst/>
+                        <a:defRPr/>
+                      </a:pPr>
+                      <a:r>
+                        <a:rPr lang="en-US" sz="1600" b="1" dirty="0">
+                          <a:solidFill>
+                            <a:schemeClr val="tx1"/>
+                          </a:solidFill>
+                          <a:sym typeface="Wingdings" panose="05000000000000000000" pitchFamily="2" charset="2"/>
+                        </a:rPr>
+                        <a:t></a:t>
+                      </a:r>
+                      <a:endParaRPr lang="en-US" sz="1600" b="1" dirty="0">
+                        <a:solidFill>
+                          <a:schemeClr val="tx1"/>
+                        </a:solidFill>
+                      </a:endParaRPr>
+                    </a:p>
+                  </a:txBody>
+                  <a:tcPr anchor="ctr">
+                    <a:solidFill>
+                      <a:schemeClr val="bg1"/>
+                    </a:solidFill>
+                  </a:tcPr>
+                </a:tc>
+                <a:tc>
+                  <a:txBody>
+                    <a:bodyPr/>
+                    <a:lstStyle/>
+                    <a:p>
+                      <a:pPr algn="ctr"/>
+                      <a:r>
+                        <a:rPr lang="en-US" altLang="zh-TW" b="1" dirty="0">
+                          <a:solidFill>
+                            <a:schemeClr val="bg1"/>
+                          </a:solidFill>
+                        </a:rPr>
+                        <a:t>Encoding</a:t>
+                      </a:r>
+                      <a:r>
+                        <a:rPr lang="en-US" altLang="zh-TW" b="1" dirty="0"/>
+                        <a:t> </a:t>
+                      </a:r>
+                      <a:r>
+                        <a:rPr lang="en-US" altLang="zh-TW" b="1" dirty="0">
+                          <a:solidFill>
+                            <a:schemeClr val="bg1"/>
+                          </a:solidFill>
+                        </a:rPr>
+                        <a:t>methods</a:t>
+                      </a:r>
+                      <a:endParaRPr lang="en-US" b="1" dirty="0">
+                        <a:solidFill>
+                          <a:schemeClr val="bg1"/>
+                        </a:solidFill>
+                      </a:endParaRPr>
+                    </a:p>
+                  </a:txBody>
+                  <a:tcPr anchor="ctr">
+                    <a:solidFill>
+                      <a:srgbClr val="7030A0"/>
+                    </a:solidFill>
+                  </a:tcPr>
+                </a:tc>
+                <a:extLst>
+                  <a:ext uri="{0D108BD9-81ED-4DB2-BD59-A6C34878D82A}">
+                    <a16:rowId xmlns:a16="http://schemas.microsoft.com/office/drawing/2014/main" val="267810931"/>
+                  </a:ext>
+                </a:extLst>
+              </a:tr>
+              <a:tr h="1005840">
+                <a:tc vMerge="1">
+                  <a:txBody>
+                    <a:bodyPr/>
+                    <a:lstStyle/>
+                    <a:p>
+                      <a:pPr marL="342900" indent="-342900" algn="l">
+                        <a:lnSpc>
+                          <a:spcPct val="120000"/>
+                        </a:lnSpc>
+                        <a:buFont typeface="+mj-lt"/>
+                        <a:buAutoNum type="arabicPeriod"/>
+                      </a:pPr>
+                      <a:endParaRPr lang="en-US" dirty="0"/>
+                    </a:p>
+                  </a:txBody>
+                  <a:tcPr anchor="ctr"/>
+                </a:tc>
+                <a:tc>
+                  <a:txBody>
+                    <a:bodyPr/>
+                    <a:lstStyle/>
+                    <a:p>
+                      <a:pPr marL="342900" indent="-342900" algn="l">
+                        <a:lnSpc>
+                          <a:spcPct val="120000"/>
+                        </a:lnSpc>
+                        <a:buFont typeface="+mj-lt"/>
+                        <a:buAutoNum type="arabicPeriod"/>
+                      </a:pPr>
+                      <a:r>
+                        <a:rPr lang="en-US" sz="1600" dirty="0"/>
+                        <a:t>Column ID</a:t>
+                      </a:r>
+                    </a:p>
+                    <a:p>
+                      <a:pPr marL="342900" indent="-342900" algn="l">
+                        <a:lnSpc>
+                          <a:spcPct val="120000"/>
+                        </a:lnSpc>
+                        <a:buFont typeface="+mj-lt"/>
+                        <a:buAutoNum type="arabicPeriod"/>
+                      </a:pPr>
+                      <a:r>
+                        <a:rPr lang="en-US" sz="1600" dirty="0"/>
+                        <a:t>Sum (</a:t>
+                      </a:r>
+                      <a:r>
+                        <a:rPr lang="en-US" sz="1600" dirty="0" err="1"/>
+                        <a:t>Avg</a:t>
+                      </a:r>
+                      <a:r>
+                        <a:rPr lang="en-US" sz="1600" dirty="0"/>
+                        <a:t>)</a:t>
+                      </a:r>
+                    </a:p>
+                    <a:p>
+                      <a:pPr marL="342900" indent="-342900" algn="l">
+                        <a:lnSpc>
+                          <a:spcPct val="120000"/>
+                        </a:lnSpc>
+                        <a:buFont typeface="+mj-lt"/>
+                        <a:buAutoNum type="arabicPeriod"/>
+                      </a:pPr>
+                      <a:r>
+                        <a:rPr lang="en-US" sz="1600" dirty="0" err="1"/>
+                        <a:t>Rnd</a:t>
+                      </a:r>
+                      <a:endParaRPr lang="en-US" sz="1600" dirty="0"/>
+                    </a:p>
+                  </a:txBody>
+                  <a:tcPr anchor="ctr"/>
+                </a:tc>
+                <a:tc vMerge="1">
+                  <a:txBody>
+                    <a:bodyPr/>
+                    <a:lstStyle/>
+                    <a:p>
+                      <a:endParaRPr lang="en-US" dirty="0"/>
+                    </a:p>
+                  </a:txBody>
+                  <a:tcPr/>
+                </a:tc>
+                <a:tc>
+                  <a:txBody>
+                    <a:bodyPr/>
+                    <a:lstStyle/>
+                    <a:p>
+                      <a:pPr marL="342900" indent="-342900" algn="l">
+                        <a:lnSpc>
+                          <a:spcPct val="120000"/>
+                        </a:lnSpc>
+                        <a:buFont typeface="+mj-lt"/>
+                        <a:buAutoNum type="arabicPeriod"/>
+                      </a:pPr>
+                      <a:r>
+                        <a:rPr lang="en-US" sz="1600" dirty="0"/>
+                        <a:t>Large to Small</a:t>
+                      </a:r>
+                    </a:p>
+                    <a:p>
+                      <a:pPr marL="342900" indent="-342900" algn="l">
+                        <a:lnSpc>
+                          <a:spcPct val="120000"/>
+                        </a:lnSpc>
+                        <a:buFont typeface="+mj-lt"/>
+                        <a:buAutoNum type="arabicPeriod"/>
+                      </a:pPr>
+                      <a:r>
+                        <a:rPr lang="en-US" sz="1600" dirty="0"/>
+                        <a:t>Small to Large</a:t>
+                      </a:r>
+                    </a:p>
+                    <a:p>
+                      <a:pPr marL="342900" indent="-342900" algn="l">
+                        <a:lnSpc>
+                          <a:spcPct val="120000"/>
+                        </a:lnSpc>
+                        <a:buFont typeface="+mj-lt"/>
+                        <a:buAutoNum type="arabicPeriod"/>
+                      </a:pPr>
+                      <a:r>
+                        <a:rPr lang="en-US" sz="1600" dirty="0"/>
+                        <a:t>Normal dist.</a:t>
+                      </a:r>
+                    </a:p>
+                  </a:txBody>
+                  <a:tcPr anchor="ctr"/>
+                </a:tc>
+                <a:tc vMerge="1">
+                  <a:txBody>
+                    <a:bodyPr/>
+                    <a:lstStyle/>
+                    <a:p>
+                      <a:endParaRPr lang="en-US" dirty="0"/>
+                    </a:p>
+                  </a:txBody>
+                  <a:tcPr/>
+                </a:tc>
+                <a:tc>
+                  <a:txBody>
+                    <a:bodyPr/>
+                    <a:lstStyle/>
+                    <a:p>
+                      <a:pPr marL="342900" indent="-342900" algn="l">
+                        <a:lnSpc>
+                          <a:spcPct val="120000"/>
+                        </a:lnSpc>
+                        <a:buFont typeface="+mj-lt"/>
+                        <a:buAutoNum type="arabicPeriod"/>
+                      </a:pPr>
+                      <a:r>
+                        <a:rPr lang="en-US" sz="1600" dirty="0"/>
+                        <a:t>Categorical </a:t>
+                      </a:r>
+                    </a:p>
+                    <a:p>
+                      <a:pPr marL="342900" indent="-342900" algn="l">
+                        <a:lnSpc>
+                          <a:spcPct val="120000"/>
+                        </a:lnSpc>
+                        <a:buFont typeface="+mj-lt"/>
+                        <a:buAutoNum type="arabicPeriod"/>
+                      </a:pPr>
+                      <a:r>
+                        <a:rPr lang="en-US" sz="1600" dirty="0"/>
+                        <a:t>Grid</a:t>
+                      </a:r>
+                    </a:p>
+                  </a:txBody>
+                  <a:tcPr anchor="ctr"/>
+                </a:tc>
+                <a:extLst>
+                  <a:ext uri="{0D108BD9-81ED-4DB2-BD59-A6C34878D82A}">
+                    <a16:rowId xmlns:a16="http://schemas.microsoft.com/office/drawing/2014/main" val="3603994454"/>
+                  </a:ext>
+                </a:extLst>
+              </a:tr>
+              <a:tr h="1005840">
+                <a:tc>
+                  <a:txBody>
+                    <a:bodyPr/>
+                    <a:lstStyle/>
+                    <a:p>
+                      <a:pPr algn="ctr"/>
+                      <a:r>
+                        <a:rPr lang="en-US" altLang="zh-TW" b="1" dirty="0">
+                          <a:solidFill>
+                            <a:schemeClr val="bg1"/>
+                          </a:solidFill>
+                        </a:rPr>
+                        <a:t>supervised</a:t>
+                      </a:r>
+                      <a:endParaRPr lang="en-US" b="1" dirty="0">
+                        <a:solidFill>
+                          <a:schemeClr val="bg1"/>
+                        </a:solidFill>
+                      </a:endParaRPr>
+                    </a:p>
+                  </a:txBody>
+                  <a:tcPr anchor="ctr">
+                    <a:solidFill>
+                      <a:srgbClr val="00B050"/>
+                    </a:solidFill>
+                  </a:tcPr>
+                </a:tc>
+                <a:tc gridSpan="5">
+                  <a:txBody>
+                    <a:bodyPr/>
+                    <a:lstStyle/>
+                    <a:p>
+                      <a:pPr marL="342900" indent="-342900" algn="l">
+                        <a:lnSpc>
+                          <a:spcPct val="120000"/>
+                        </a:lnSpc>
+                        <a:buFont typeface="+mj-lt"/>
+                        <a:buAutoNum type="arabicPeriod"/>
+                      </a:pPr>
+                      <a:r>
+                        <a:rPr lang="en-US" altLang="zh-TW" dirty="0"/>
+                        <a:t>GA</a:t>
+                      </a:r>
+                      <a:endParaRPr lang="en-US" dirty="0"/>
+                    </a:p>
+                  </a:txBody>
+                  <a:tcPr anchor="ctr"/>
+                </a:tc>
+                <a:tc hMerge="1">
+                  <a:txBody>
+                    <a:bodyPr/>
+                    <a:lstStyle/>
+                    <a:p>
+                      <a:pPr algn="ctr">
+                        <a:lnSpc>
+                          <a:spcPct val="120000"/>
+                        </a:lnSpc>
+                      </a:pPr>
+                      <a:endParaRPr lang="en-US" b="1" dirty="0">
+                        <a:solidFill>
+                          <a:schemeClr val="tx1"/>
+                        </a:solidFill>
+                      </a:endParaRPr>
+                    </a:p>
+                  </a:txBody>
+                  <a:tcPr anchor="ctr">
+                    <a:solidFill>
+                      <a:srgbClr val="CFD5EA"/>
+                    </a:solidFill>
+                  </a:tcPr>
+                </a:tc>
+                <a:tc hMerge="1">
+                  <a:txBody>
+                    <a:bodyPr/>
+                    <a:lstStyle/>
+                    <a:p>
+                      <a:pPr marL="342900" indent="-342900" algn="l">
+                        <a:lnSpc>
+                          <a:spcPct val="120000"/>
+                        </a:lnSpc>
+                        <a:buFont typeface="+mj-lt"/>
+                        <a:buAutoNum type="arabicPeriod"/>
+                      </a:pPr>
+                      <a:endParaRPr lang="en-US" dirty="0"/>
+                    </a:p>
+                  </a:txBody>
+                  <a:tcPr anchor="ctr">
+                    <a:solidFill>
+                      <a:srgbClr val="CFD5EA"/>
+                    </a:solidFill>
+                  </a:tcPr>
+                </a:tc>
+                <a:tc hMerge="1">
+                  <a:txBody>
+                    <a:bodyPr/>
+                    <a:lstStyle/>
+                    <a:p>
+                      <a:pPr marL="0" marR="0" lvl="0" indent="0" algn="ctr" defTabSz="914400" rtl="0" eaLnBrk="1" fontAlgn="auto" latinLnBrk="0" hangingPunct="1">
+                        <a:lnSpc>
+                          <a:spcPct val="120000"/>
+                        </a:lnSpc>
+                        <a:spcBef>
+                          <a:spcPts val="0"/>
+                        </a:spcBef>
+                        <a:spcAft>
+                          <a:spcPts val="0"/>
+                        </a:spcAft>
+                        <a:buClrTx/>
+                        <a:buSzTx/>
+                        <a:buFontTx/>
+                        <a:buNone/>
+                        <a:tabLst/>
+                        <a:defRPr/>
+                      </a:pPr>
+                      <a:endParaRPr lang="en-US" b="1" dirty="0">
+                        <a:solidFill>
+                          <a:schemeClr val="tx1"/>
+                        </a:solidFill>
+                      </a:endParaRPr>
+                    </a:p>
+                  </a:txBody>
+                  <a:tcPr anchor="ctr">
+                    <a:solidFill>
+                      <a:srgbClr val="CFD5EA"/>
+                    </a:solidFill>
+                  </a:tcPr>
+                </a:tc>
+                <a:tc hMerge="1">
+                  <a:txBody>
+                    <a:bodyPr/>
+                    <a:lstStyle/>
+                    <a:p>
+                      <a:pPr marL="342900" indent="-342900" algn="l">
+                        <a:lnSpc>
+                          <a:spcPct val="120000"/>
+                        </a:lnSpc>
+                        <a:buFont typeface="+mj-lt"/>
+                        <a:buAutoNum type="arabicPeriod"/>
+                      </a:pPr>
+                      <a:endParaRPr lang="en-US" dirty="0"/>
+                    </a:p>
+                  </a:txBody>
+                  <a:tcPr anchor="ctr">
+                    <a:solidFill>
+                      <a:srgbClr val="CFD5EA"/>
+                    </a:solidFill>
+                  </a:tcPr>
+                </a:tc>
+                <a:extLst>
+                  <a:ext uri="{0D108BD9-81ED-4DB2-BD59-A6C34878D82A}">
+                    <a16:rowId xmlns:a16="http://schemas.microsoft.com/office/drawing/2014/main" val="779885266"/>
+                  </a:ext>
+                </a:extLst>
+              </a:tr>
+            </a:tbl>
+          </a:graphicData>
+        </a:graphic>
+      </p:graphicFrame>
+      <p:sp>
+        <p:nvSpPr>
+          <p:cNvPr id="10" name="橢圓 9">
+            <a:extLst>
+              <a:ext uri="{FF2B5EF4-FFF2-40B4-BE49-F238E27FC236}">
+                <a16:creationId xmlns:a16="http://schemas.microsoft.com/office/drawing/2014/main" id="{E69AFEE7-CCEE-4E25-A55D-5052686B465F}"/>
+              </a:ext>
+            </a:extLst>
+          </p:cNvPr>
+          <p:cNvSpPr/>
+          <p:nvPr/>
+        </p:nvSpPr>
+        <p:spPr>
+          <a:xfrm>
+            <a:off x="1180435" y="5657231"/>
+            <a:ext cx="1855745" cy="828765"/>
+          </a:xfrm>
+          <a:prstGeom prst="ellipse">
+            <a:avLst/>
+          </a:prstGeom>
+          <a:solidFill>
+            <a:schemeClr val="tx1"/>
+          </a:solidFill>
+          <a:ln>
+            <a:noFill/>
+          </a:ln>
+        </p:spPr>
+        <p:style>
+          <a:lnRef idx="2">
+            <a:schemeClr val="accent1">
+              <a:shade val="50000"/>
+            </a:schemeClr>
+          </a:lnRef>
+          <a:fillRef idx="1">
+            <a:schemeClr val="accent1"/>
+          </a:fillRef>
+          <a:effectRef idx="0">
+            <a:schemeClr val="accent1"/>
+          </a:effectRef>
+          <a:fontRef idx="minor">
+            <a:schemeClr val="lt1"/>
+          </a:fontRef>
+        </p:style>
+        <p:txBody>
+          <a:bodyPr rtlCol="0" anchor="ctr"/>
+          <a:lstStyle/>
+          <a:p>
+            <a:pPr algn="ctr"/>
+            <a:r>
+              <a:rPr lang="en-US" altLang="zh-TW" sz="1600" b="1" i="1" u="sng" dirty="0"/>
+              <a:t>Dim.</a:t>
+            </a:r>
+            <a:r>
+              <a:rPr lang="zh-TW" altLang="en-US" sz="1600" b="1" i="1" u="sng" dirty="0"/>
+              <a:t> </a:t>
+            </a:r>
+            <a:r>
+              <a:rPr lang="en-US" altLang="zh-TW" sz="1600" b="1" i="1" u="sng" dirty="0"/>
+              <a:t>reduced data</a:t>
+            </a:r>
+            <a:endParaRPr lang="en-US" sz="1600" b="1" i="1" u="sng" dirty="0"/>
+          </a:p>
+        </p:txBody>
+      </p:sp>
+      <p:sp>
+        <p:nvSpPr>
+          <p:cNvPr id="21" name="矩形: 圓角 20">
+            <a:extLst>
+              <a:ext uri="{FF2B5EF4-FFF2-40B4-BE49-F238E27FC236}">
+                <a16:creationId xmlns:a16="http://schemas.microsoft.com/office/drawing/2014/main" id="{A3D8BD9C-131C-4124-8EEB-6BC63D8C474E}"/>
+              </a:ext>
+            </a:extLst>
+          </p:cNvPr>
+          <p:cNvSpPr/>
+          <p:nvPr/>
+        </p:nvSpPr>
+        <p:spPr>
+          <a:xfrm>
+            <a:off x="7991810" y="5769759"/>
+            <a:ext cx="2324653" cy="658347"/>
+          </a:xfrm>
+          <a:prstGeom prst="roundRect">
+            <a:avLst/>
+          </a:prstGeom>
+          <a:solidFill>
+            <a:srgbClr val="FFC000"/>
+          </a:solidFill>
+          <a:ln>
+            <a:noFill/>
+          </a:ln>
+        </p:spPr>
+        <p:style>
+          <a:lnRef idx="2">
+            <a:schemeClr val="accent1">
+              <a:shade val="50000"/>
+            </a:schemeClr>
+          </a:lnRef>
+          <a:fillRef idx="1">
+            <a:schemeClr val="accent1"/>
+          </a:fillRef>
+          <a:effectRef idx="0">
+            <a:schemeClr val="accent1"/>
+          </a:effectRef>
+          <a:fontRef idx="minor">
+            <a:schemeClr val="lt1"/>
+          </a:fontRef>
+        </p:style>
+        <p:txBody>
+          <a:bodyPr rtlCol="0" anchor="ctr"/>
+          <a:lstStyle/>
+          <a:p>
+            <a:pPr algn="ctr"/>
+            <a:r>
+              <a:rPr lang="en-US" sz="2800" dirty="0">
+                <a:solidFill>
+                  <a:schemeClr val="bg1"/>
+                </a:solidFill>
+              </a:rPr>
+              <a:t>Classification </a:t>
+            </a:r>
+          </a:p>
+        </p:txBody>
+      </p:sp>
+      <p:sp>
+        <p:nvSpPr>
+          <p:cNvPr id="22" name="箭號: 向上 21">
+            <a:extLst>
+              <a:ext uri="{FF2B5EF4-FFF2-40B4-BE49-F238E27FC236}">
+                <a16:creationId xmlns:a16="http://schemas.microsoft.com/office/drawing/2014/main" id="{051C0B27-0F1B-4218-B1EE-4D290908EADD}"/>
+              </a:ext>
+            </a:extLst>
+          </p:cNvPr>
+          <p:cNvSpPr/>
+          <p:nvPr/>
+        </p:nvSpPr>
+        <p:spPr>
+          <a:xfrm rot="5400000">
+            <a:off x="5139131" y="3648071"/>
+            <a:ext cx="497816" cy="4901725"/>
+          </a:xfrm>
+          <a:prstGeom prst="upArrow">
+            <a:avLst>
+              <a:gd name="adj1" fmla="val 38549"/>
+              <a:gd name="adj2" fmla="val 65309"/>
+            </a:avLst>
+          </a:prstGeom>
+          <a:solidFill>
+            <a:schemeClr val="tx1"/>
+          </a:solidFill>
+          <a:ln>
+            <a:noFill/>
+          </a:ln>
+        </p:spPr>
+        <p:style>
+          <a:lnRef idx="2">
+            <a:schemeClr val="accent1">
+              <a:shade val="50000"/>
+            </a:schemeClr>
+          </a:lnRef>
+          <a:fillRef idx="1">
+            <a:schemeClr val="accent1"/>
+          </a:fillRef>
+          <a:effectRef idx="0">
+            <a:schemeClr val="accent1"/>
+          </a:effectRef>
+          <a:fontRef idx="minor">
+            <a:schemeClr val="lt1"/>
+          </a:fontRef>
+        </p:style>
+        <p:txBody>
+          <a:bodyPr rtlCol="0" anchor="ctr"/>
+          <a:lstStyle/>
+          <a:p>
+            <a:pPr algn="ctr"/>
+            <a:endParaRPr lang="en-US"/>
+          </a:p>
+        </p:txBody>
+      </p:sp>
+      <p:grpSp>
+        <p:nvGrpSpPr>
+          <p:cNvPr id="3" name="群組 2">
+            <a:extLst>
+              <a:ext uri="{FF2B5EF4-FFF2-40B4-BE49-F238E27FC236}">
+                <a16:creationId xmlns:a16="http://schemas.microsoft.com/office/drawing/2014/main" id="{11FEBCE6-79DA-41E4-9FF7-6FED211734D6}"/>
+              </a:ext>
+            </a:extLst>
+          </p:cNvPr>
+          <p:cNvGrpSpPr/>
+          <p:nvPr/>
+        </p:nvGrpSpPr>
+        <p:grpSpPr>
+          <a:xfrm>
+            <a:off x="1023099" y="309842"/>
+            <a:ext cx="3119159" cy="1789457"/>
+            <a:chOff x="1023099" y="309842"/>
+            <a:chExt cx="3119159" cy="1789457"/>
+          </a:xfrm>
+        </p:grpSpPr>
+        <p:sp>
+          <p:nvSpPr>
+            <p:cNvPr id="4" name="箭號: 向下 3">
+              <a:extLst>
+                <a:ext uri="{FF2B5EF4-FFF2-40B4-BE49-F238E27FC236}">
+                  <a16:creationId xmlns:a16="http://schemas.microsoft.com/office/drawing/2014/main" id="{2D97E9F8-2C80-40F0-8CCF-FF7BC4951B15}"/>
+                </a:ext>
+              </a:extLst>
+            </p:cNvPr>
+            <p:cNvSpPr/>
+            <p:nvPr/>
+          </p:nvSpPr>
+          <p:spPr>
+            <a:xfrm rot="16200000">
+              <a:off x="3166161" y="975098"/>
+              <a:ext cx="517787" cy="1434402"/>
+            </a:xfrm>
+            <a:prstGeom prst="downArrow">
+              <a:avLst>
+                <a:gd name="adj1" fmla="val 50000"/>
+                <a:gd name="adj2" fmla="val 68395"/>
+              </a:avLst>
+            </a:prstGeom>
+            <a:solidFill>
+              <a:srgbClr val="385723"/>
+            </a:solidFill>
+            <a:ln>
+              <a:noFill/>
+            </a:ln>
+          </p:spPr>
+          <p:style>
+            <a:lnRef idx="2">
+              <a:schemeClr val="accent1">
+                <a:shade val="50000"/>
+              </a:schemeClr>
+            </a:lnRef>
+            <a:fillRef idx="1">
+              <a:schemeClr val="accent1"/>
+            </a:fillRef>
+            <a:effectRef idx="0">
+              <a:schemeClr val="accent1"/>
+            </a:effectRef>
+            <a:fontRef idx="minor">
+              <a:schemeClr val="lt1"/>
+            </a:fontRef>
+          </p:style>
+          <p:txBody>
+            <a:bodyPr vert="eaVert" rtlCol="0" anchor="ctr"/>
+            <a:lstStyle/>
+            <a:p>
+              <a:pPr algn="ctr"/>
+              <a:r>
+                <a:rPr lang="en-US" sz="1200" dirty="0">
+                  <a:solidFill>
+                    <a:schemeClr val="bg1"/>
+                  </a:solidFill>
+                </a:rPr>
+                <a:t>slicing</a:t>
+              </a:r>
+            </a:p>
+          </p:txBody>
+        </p:sp>
+        <p:sp>
+          <p:nvSpPr>
+            <p:cNvPr id="6" name="橢圓 5">
+              <a:extLst>
+                <a:ext uri="{FF2B5EF4-FFF2-40B4-BE49-F238E27FC236}">
+                  <a16:creationId xmlns:a16="http://schemas.microsoft.com/office/drawing/2014/main" id="{29CCF64C-9A45-4D12-8C34-EC711504387B}"/>
+                </a:ext>
+              </a:extLst>
+            </p:cNvPr>
+            <p:cNvSpPr/>
+            <p:nvPr/>
+          </p:nvSpPr>
+          <p:spPr>
+            <a:xfrm>
+              <a:off x="1023099" y="1285299"/>
+              <a:ext cx="1827331" cy="814000"/>
+            </a:xfrm>
+            <a:prstGeom prst="ellipse">
+              <a:avLst/>
+            </a:prstGeom>
+            <a:solidFill>
+              <a:schemeClr val="accent6">
+                <a:lumMod val="50000"/>
+              </a:schemeClr>
+            </a:solidFill>
+            <a:ln>
+              <a:noFill/>
+            </a:ln>
+          </p:spPr>
+          <p:style>
+            <a:lnRef idx="2">
+              <a:schemeClr val="accent1">
+                <a:shade val="50000"/>
+              </a:schemeClr>
+            </a:lnRef>
+            <a:fillRef idx="1">
+              <a:schemeClr val="accent1"/>
+            </a:fillRef>
+            <a:effectRef idx="0">
+              <a:schemeClr val="accent1"/>
+            </a:effectRef>
+            <a:fontRef idx="minor">
+              <a:schemeClr val="lt1"/>
+            </a:fontRef>
+          </p:style>
+          <p:txBody>
+            <a:bodyPr rtlCol="0" anchor="ctr"/>
+            <a:lstStyle/>
+            <a:p>
+              <a:pPr algn="ctr"/>
+              <a:r>
+                <a:rPr lang="en-US" altLang="zh-TW" b="1" i="1" u="sng" dirty="0"/>
+                <a:t>Cont. data </a:t>
+              </a:r>
+              <a:endParaRPr lang="en-US" b="1" i="1" u="sng" dirty="0"/>
+            </a:p>
+          </p:txBody>
+        </p:sp>
+        <p:sp>
+          <p:nvSpPr>
+            <p:cNvPr id="16" name="橢圓 15">
+              <a:extLst>
+                <a:ext uri="{FF2B5EF4-FFF2-40B4-BE49-F238E27FC236}">
+                  <a16:creationId xmlns:a16="http://schemas.microsoft.com/office/drawing/2014/main" id="{9E00B7E0-2A0D-4FBC-A80F-A1D6139EA657}"/>
+                </a:ext>
+              </a:extLst>
+            </p:cNvPr>
+            <p:cNvSpPr/>
+            <p:nvPr/>
+          </p:nvSpPr>
+          <p:spPr>
+            <a:xfrm>
+              <a:off x="1023099" y="309842"/>
+              <a:ext cx="1827331" cy="814000"/>
+            </a:xfrm>
+            <a:prstGeom prst="ellipse">
+              <a:avLst/>
+            </a:prstGeom>
+            <a:solidFill>
+              <a:srgbClr val="7030A0"/>
+            </a:solidFill>
+            <a:ln>
+              <a:noFill/>
+            </a:ln>
+          </p:spPr>
+          <p:style>
+            <a:lnRef idx="2">
+              <a:schemeClr val="accent1">
+                <a:shade val="50000"/>
+              </a:schemeClr>
+            </a:lnRef>
+            <a:fillRef idx="1">
+              <a:schemeClr val="accent1"/>
+            </a:fillRef>
+            <a:effectRef idx="0">
+              <a:schemeClr val="accent1"/>
+            </a:effectRef>
+            <a:fontRef idx="minor">
+              <a:schemeClr val="lt1"/>
+            </a:fontRef>
+          </p:style>
+          <p:txBody>
+            <a:bodyPr rtlCol="0" anchor="ctr"/>
+            <a:lstStyle/>
+            <a:p>
+              <a:pPr algn="ctr"/>
+              <a:r>
+                <a:rPr lang="en-US" altLang="zh-TW" b="1" i="1" u="sng" dirty="0"/>
+                <a:t>Rnd. data</a:t>
+              </a:r>
+              <a:endParaRPr lang="en-US" b="1" i="1" u="sng" dirty="0"/>
+            </a:p>
+          </p:txBody>
+        </p:sp>
+        <p:sp>
+          <p:nvSpPr>
+            <p:cNvPr id="24" name="箭號: 向下 23">
+              <a:extLst>
+                <a:ext uri="{FF2B5EF4-FFF2-40B4-BE49-F238E27FC236}">
+                  <a16:creationId xmlns:a16="http://schemas.microsoft.com/office/drawing/2014/main" id="{150CA03F-35A7-4207-83F3-1267FF80B8D9}"/>
+                </a:ext>
+              </a:extLst>
+            </p:cNvPr>
+            <p:cNvSpPr/>
+            <p:nvPr/>
+          </p:nvSpPr>
+          <p:spPr>
+            <a:xfrm rot="16200000">
+              <a:off x="3191752" y="19667"/>
+              <a:ext cx="517787" cy="1383224"/>
+            </a:xfrm>
+            <a:prstGeom prst="downArrow">
+              <a:avLst>
+                <a:gd name="adj1" fmla="val 50000"/>
+                <a:gd name="adj2" fmla="val 68395"/>
+              </a:avLst>
+            </a:prstGeom>
+            <a:solidFill>
+              <a:srgbClr val="7030A0"/>
+            </a:solidFill>
+            <a:ln>
+              <a:noFill/>
+            </a:ln>
+          </p:spPr>
+          <p:style>
+            <a:lnRef idx="2">
+              <a:schemeClr val="accent1">
+                <a:shade val="50000"/>
+              </a:schemeClr>
+            </a:lnRef>
+            <a:fillRef idx="1">
+              <a:schemeClr val="accent1"/>
+            </a:fillRef>
+            <a:effectRef idx="0">
+              <a:schemeClr val="accent1"/>
+            </a:effectRef>
+            <a:fontRef idx="minor">
+              <a:schemeClr val="lt1"/>
+            </a:fontRef>
+          </p:style>
+          <p:txBody>
+            <a:bodyPr vert="eaVert" rtlCol="0" anchor="ctr"/>
+            <a:lstStyle/>
+            <a:p>
+              <a:pPr algn="ctr"/>
+              <a:r>
+                <a:rPr lang="en-US" altLang="zh-TW" sz="1200" dirty="0">
+                  <a:solidFill>
+                    <a:schemeClr val="bg1"/>
+                  </a:solidFill>
+                </a:rPr>
+                <a:t>Random in [0,2^k]</a:t>
+              </a:r>
+            </a:p>
+          </p:txBody>
+        </p:sp>
+      </p:grpSp>
+      <p:grpSp>
+        <p:nvGrpSpPr>
+          <p:cNvPr id="15" name="群組 14">
+            <a:extLst>
+              <a:ext uri="{FF2B5EF4-FFF2-40B4-BE49-F238E27FC236}">
+                <a16:creationId xmlns:a16="http://schemas.microsoft.com/office/drawing/2014/main" id="{2CB1D5F4-4363-46D4-BDF7-467907F3E6F2}"/>
+              </a:ext>
+            </a:extLst>
+          </p:cNvPr>
+          <p:cNvGrpSpPr/>
+          <p:nvPr/>
+        </p:nvGrpSpPr>
+        <p:grpSpPr>
+          <a:xfrm>
+            <a:off x="4427951" y="309843"/>
+            <a:ext cx="3534552" cy="1789456"/>
+            <a:chOff x="4265564" y="309843"/>
+            <a:chExt cx="3534552" cy="1789456"/>
+          </a:xfrm>
+        </p:grpSpPr>
+        <p:sp>
+          <p:nvSpPr>
+            <p:cNvPr id="7" name="橢圓 6">
+              <a:extLst>
+                <a:ext uri="{FF2B5EF4-FFF2-40B4-BE49-F238E27FC236}">
+                  <a16:creationId xmlns:a16="http://schemas.microsoft.com/office/drawing/2014/main" id="{C41361A5-6F8E-44A1-8140-D785E8076FED}"/>
+                </a:ext>
+              </a:extLst>
+            </p:cNvPr>
+            <p:cNvSpPr/>
+            <p:nvPr/>
+          </p:nvSpPr>
+          <p:spPr>
+            <a:xfrm>
+              <a:off x="4265564" y="309843"/>
+              <a:ext cx="1827331" cy="1789456"/>
+            </a:xfrm>
+            <a:prstGeom prst="ellipse">
+              <a:avLst/>
+            </a:prstGeom>
+            <a:solidFill>
+              <a:srgbClr val="002060"/>
+            </a:solidFill>
+            <a:ln>
+              <a:noFill/>
+            </a:ln>
+          </p:spPr>
+          <p:style>
+            <a:lnRef idx="2">
+              <a:schemeClr val="accent1">
+                <a:shade val="50000"/>
+              </a:schemeClr>
+            </a:lnRef>
+            <a:fillRef idx="1">
+              <a:schemeClr val="accent1"/>
+            </a:fillRef>
+            <a:effectRef idx="0">
+              <a:schemeClr val="accent1"/>
+            </a:effectRef>
+            <a:fontRef idx="minor">
+              <a:schemeClr val="lt1"/>
+            </a:fontRef>
+          </p:style>
+          <p:txBody>
+            <a:bodyPr rtlCol="0" anchor="ctr"/>
+            <a:lstStyle/>
+            <a:p>
+              <a:pPr algn="ctr"/>
+              <a:r>
+                <a:rPr lang="en-US" altLang="zh-TW" b="1" i="1" u="sng" dirty="0"/>
+                <a:t>Binary data</a:t>
+              </a:r>
+              <a:endParaRPr lang="en-US" b="1" i="1" u="sng" dirty="0"/>
+            </a:p>
+          </p:txBody>
+        </p:sp>
+        <p:sp>
+          <p:nvSpPr>
+            <p:cNvPr id="25" name="箭號: 向下 24">
+              <a:extLst>
+                <a:ext uri="{FF2B5EF4-FFF2-40B4-BE49-F238E27FC236}">
+                  <a16:creationId xmlns:a16="http://schemas.microsoft.com/office/drawing/2014/main" id="{F7D2B113-92ED-49DB-A8A8-FC37C7E042BE}"/>
+                </a:ext>
+              </a:extLst>
+            </p:cNvPr>
+            <p:cNvSpPr/>
+            <p:nvPr/>
+          </p:nvSpPr>
+          <p:spPr>
+            <a:xfrm rot="16200000">
+              <a:off x="6627556" y="290905"/>
+              <a:ext cx="517787" cy="1827332"/>
+            </a:xfrm>
+            <a:prstGeom prst="downArrow">
+              <a:avLst>
+                <a:gd name="adj1" fmla="val 50000"/>
+                <a:gd name="adj2" fmla="val 68395"/>
+              </a:avLst>
+            </a:prstGeom>
+            <a:solidFill>
+              <a:srgbClr val="002060"/>
+            </a:solidFill>
+            <a:ln>
+              <a:noFill/>
+            </a:ln>
+          </p:spPr>
+          <p:style>
+            <a:lnRef idx="2">
+              <a:schemeClr val="accent1">
+                <a:shade val="50000"/>
+              </a:schemeClr>
+            </a:lnRef>
+            <a:fillRef idx="1">
+              <a:schemeClr val="accent1"/>
+            </a:fillRef>
+            <a:effectRef idx="0">
+              <a:schemeClr val="accent1"/>
+            </a:effectRef>
+            <a:fontRef idx="minor">
+              <a:schemeClr val="lt1"/>
+            </a:fontRef>
+          </p:style>
+          <p:txBody>
+            <a:bodyPr vert="eaVert" rtlCol="0" anchor="ctr"/>
+            <a:lstStyle/>
+            <a:p>
+              <a:pPr algn="ctr"/>
+              <a:endParaRPr lang="en-US" altLang="zh-TW" sz="1200" dirty="0">
+                <a:solidFill>
+                  <a:schemeClr val="bg1"/>
+                </a:solidFill>
+              </a:endParaRPr>
+            </a:p>
+          </p:txBody>
+        </p:sp>
+      </p:grpSp>
+      <p:sp>
+        <p:nvSpPr>
+          <p:cNvPr id="26" name="箭號: 迴轉箭號 25">
+            <a:extLst>
+              <a:ext uri="{FF2B5EF4-FFF2-40B4-BE49-F238E27FC236}">
+                <a16:creationId xmlns:a16="http://schemas.microsoft.com/office/drawing/2014/main" id="{7573C59D-3352-462F-90D6-6D06415D8BB4}"/>
+              </a:ext>
+            </a:extLst>
+          </p:cNvPr>
+          <p:cNvSpPr/>
+          <p:nvPr/>
+        </p:nvSpPr>
+        <p:spPr>
+          <a:xfrm rot="16200000" flipH="1">
+            <a:off x="-1295258" y="3934858"/>
+            <a:ext cx="3911544" cy="925095"/>
+          </a:xfrm>
+          <a:prstGeom prst="uturnArrow">
+            <a:avLst>
+              <a:gd name="adj1" fmla="val 26932"/>
+              <a:gd name="adj2" fmla="val 25000"/>
+              <a:gd name="adj3" fmla="val 35622"/>
+              <a:gd name="adj4" fmla="val 46137"/>
+              <a:gd name="adj5" fmla="val 81759"/>
+            </a:avLst>
+          </a:prstGeom>
+          <a:solidFill>
+            <a:srgbClr val="4472C4"/>
+          </a:solidFill>
+          <a:ln>
+            <a:noFill/>
+          </a:ln>
+        </p:spPr>
+        <p:style>
+          <a:lnRef idx="2">
+            <a:schemeClr val="accent1">
+              <a:shade val="50000"/>
+            </a:schemeClr>
+          </a:lnRef>
+          <a:fillRef idx="1">
+            <a:schemeClr val="accent1"/>
+          </a:fillRef>
+          <a:effectRef idx="0">
+            <a:schemeClr val="accent1"/>
+          </a:effectRef>
+          <a:fontRef idx="minor">
+            <a:schemeClr val="lt1"/>
+          </a:fontRef>
+        </p:style>
+        <p:txBody>
+          <a:bodyPr rtlCol="0" anchor="ctr"/>
+          <a:lstStyle/>
+          <a:p>
+            <a:pPr algn="ctr"/>
+            <a:endParaRPr lang="en-US">
+              <a:solidFill>
+                <a:schemeClr val="tx1"/>
+              </a:solidFill>
+            </a:endParaRPr>
+          </a:p>
+        </p:txBody>
+      </p:sp>
+      <p:graphicFrame>
+        <p:nvGraphicFramePr>
+          <p:cNvPr id="17" name="內容版面配置區 3">
+            <a:extLst>
+              <a:ext uri="{FF2B5EF4-FFF2-40B4-BE49-F238E27FC236}">
+                <a16:creationId xmlns:a16="http://schemas.microsoft.com/office/drawing/2014/main" id="{DBF4949E-8534-4C1C-BEC7-070F7C80F879}"/>
+              </a:ext>
+            </a:extLst>
+          </p:cNvPr>
+          <p:cNvGraphicFramePr>
+            <a:graphicFrameLocks/>
+          </p:cNvGraphicFramePr>
+          <p:nvPr>
+            <p:extLst/>
+          </p:nvPr>
+        </p:nvGraphicFramePr>
+        <p:xfrm>
+          <a:off x="8263492" y="525876"/>
+          <a:ext cx="2103120" cy="1500938"/>
+        </p:xfrm>
+        <a:graphic>
+          <a:graphicData uri="http://schemas.openxmlformats.org/drawingml/2006/table">
+            <a:tbl>
+              <a:tblPr firstRow="1" bandRow="1">
+                <a:tableStyleId>{5C22544A-7EE6-4342-B048-85BDC9FD1C3A}</a:tableStyleId>
+              </a:tblPr>
+              <a:tblGrid>
+                <a:gridCol w="2103120">
+                  <a:extLst>
+                    <a:ext uri="{9D8B030D-6E8A-4147-A177-3AD203B41FA5}">
+                      <a16:colId xmlns:a16="http://schemas.microsoft.com/office/drawing/2014/main" val="2243825239"/>
+                    </a:ext>
+                  </a:extLst>
+                </a:gridCol>
+              </a:tblGrid>
+              <a:tr h="443917">
+                <a:tc>
+                  <a:txBody>
+                    <a:bodyPr/>
+                    <a:lstStyle/>
+                    <a:p>
+                      <a:pPr algn="ctr"/>
+                      <a:r>
+                        <a:rPr lang="en-US" dirty="0"/>
+                        <a:t>Column Grouping</a:t>
+                      </a:r>
+                    </a:p>
+                  </a:txBody>
+                  <a:tcPr anchor="ctr">
+                    <a:solidFill>
+                      <a:schemeClr val="accent2"/>
+                    </a:solidFill>
+                  </a:tcPr>
+                </a:tc>
+                <a:extLst>
+                  <a:ext uri="{0D108BD9-81ED-4DB2-BD59-A6C34878D82A}">
+                    <a16:rowId xmlns:a16="http://schemas.microsoft.com/office/drawing/2014/main" val="2904193159"/>
+                  </a:ext>
+                </a:extLst>
+              </a:tr>
+              <a:tr h="1005840">
+                <a:tc>
+                  <a:txBody>
+                    <a:bodyPr/>
+                    <a:lstStyle/>
+                    <a:p>
+                      <a:pPr marL="342900" indent="-342900" algn="l">
+                        <a:lnSpc>
+                          <a:spcPct val="120000"/>
+                        </a:lnSpc>
+                        <a:buFont typeface="+mj-lt"/>
+                        <a:buAutoNum type="arabicPeriod"/>
+                      </a:pPr>
+                      <a:r>
+                        <a:rPr lang="en-US" dirty="0"/>
+                        <a:t>PC-n</a:t>
+                      </a:r>
+                    </a:p>
+                    <a:p>
+                      <a:pPr marL="342900" indent="-342900" algn="l">
+                        <a:lnSpc>
+                          <a:spcPct val="120000"/>
+                        </a:lnSpc>
+                        <a:buFont typeface="+mj-lt"/>
+                        <a:buAutoNum type="arabicPeriod"/>
+                      </a:pPr>
+                      <a:r>
+                        <a:rPr lang="en-US" altLang="zh-TW" dirty="0"/>
+                        <a:t>X, Y ,Z</a:t>
+                      </a:r>
+                    </a:p>
+                    <a:p>
+                      <a:pPr marL="342900" indent="-342900" algn="l">
+                        <a:lnSpc>
+                          <a:spcPct val="120000"/>
+                        </a:lnSpc>
+                        <a:buFont typeface="+mj-lt"/>
+                        <a:buAutoNum type="arabicPeriod"/>
+                      </a:pPr>
+                      <a:r>
+                        <a:rPr lang="en-US" dirty="0" err="1"/>
+                        <a:t>Rnd</a:t>
+                      </a:r>
+                      <a:endParaRPr lang="en-US" dirty="0"/>
+                    </a:p>
+                  </a:txBody>
+                  <a:tcPr anchor="ctr"/>
+                </a:tc>
+                <a:extLst>
+                  <a:ext uri="{0D108BD9-81ED-4DB2-BD59-A6C34878D82A}">
+                    <a16:rowId xmlns:a16="http://schemas.microsoft.com/office/drawing/2014/main" val="3603994454"/>
+                  </a:ext>
+                </a:extLst>
+              </a:tr>
+            </a:tbl>
+          </a:graphicData>
+        </a:graphic>
+      </p:graphicFrame>
+      <p:sp>
+        <p:nvSpPr>
+          <p:cNvPr id="18" name="箭號: 迴轉箭號 17">
+            <a:extLst>
+              <a:ext uri="{FF2B5EF4-FFF2-40B4-BE49-F238E27FC236}">
+                <a16:creationId xmlns:a16="http://schemas.microsoft.com/office/drawing/2014/main" id="{ED516287-28FD-4ED4-9783-259538576AEC}"/>
+              </a:ext>
+            </a:extLst>
+          </p:cNvPr>
+          <p:cNvSpPr/>
+          <p:nvPr/>
+        </p:nvSpPr>
+        <p:spPr>
+          <a:xfrm rot="5400000">
+            <a:off x="9681047" y="1265818"/>
+            <a:ext cx="2195928" cy="925095"/>
+          </a:xfrm>
+          <a:prstGeom prst="uturnArrow">
+            <a:avLst>
+              <a:gd name="adj1" fmla="val 26932"/>
+              <a:gd name="adj2" fmla="val 25000"/>
+              <a:gd name="adj3" fmla="val 35622"/>
+              <a:gd name="adj4" fmla="val 46137"/>
+              <a:gd name="adj5" fmla="val 81759"/>
+            </a:avLst>
+          </a:prstGeom>
+          <a:solidFill>
+            <a:srgbClr val="ED7D31"/>
+          </a:solidFill>
+          <a:ln>
+            <a:noFill/>
+          </a:ln>
+        </p:spPr>
+        <p:style>
+          <a:lnRef idx="2">
+            <a:schemeClr val="accent1">
+              <a:shade val="50000"/>
+            </a:schemeClr>
+          </a:lnRef>
+          <a:fillRef idx="1">
+            <a:schemeClr val="accent1"/>
+          </a:fillRef>
+          <a:effectRef idx="0">
+            <a:schemeClr val="accent1"/>
+          </a:effectRef>
+          <a:fontRef idx="minor">
+            <a:schemeClr val="lt1"/>
+          </a:fontRef>
+        </p:style>
+        <p:txBody>
+          <a:bodyPr rtlCol="0" anchor="ctr"/>
+          <a:lstStyle/>
+          <a:p>
+            <a:pPr algn="ctr"/>
+            <a:endParaRPr lang="en-US">
+              <a:solidFill>
+                <a:schemeClr val="tx1"/>
+              </a:solidFill>
+            </a:endParaRPr>
+          </a:p>
+        </p:txBody>
+      </p:sp>
+      <p:sp>
+        <p:nvSpPr>
+          <p:cNvPr id="2" name="橢圓 1"/>
+          <p:cNvSpPr/>
+          <p:nvPr/>
+        </p:nvSpPr>
+        <p:spPr>
+          <a:xfrm>
+            <a:off x="4142256" y="5609693"/>
+            <a:ext cx="2081651" cy="978478"/>
+          </a:xfrm>
+          <a:prstGeom prst="ellipse">
+            <a:avLst/>
+          </a:prstGeom>
+          <a:solidFill>
+            <a:schemeClr val="bg1"/>
+          </a:solidFill>
+          <a:ln w="76200">
+            <a:solidFill>
+              <a:schemeClr val="tx1"/>
+            </a:solidFill>
+            <a:prstDash val="sysDash"/>
+          </a:ln>
+        </p:spPr>
+        <p:style>
+          <a:lnRef idx="2">
+            <a:schemeClr val="accent1">
+              <a:shade val="50000"/>
+            </a:schemeClr>
+          </a:lnRef>
+          <a:fillRef idx="1">
+            <a:schemeClr val="accent1"/>
+          </a:fillRef>
+          <a:effectRef idx="0">
+            <a:schemeClr val="accent1"/>
+          </a:effectRef>
+          <a:fontRef idx="minor">
+            <a:schemeClr val="lt1"/>
+          </a:fontRef>
+        </p:style>
+        <p:txBody>
+          <a:bodyPr rtlCol="0" anchor="ctr"/>
+          <a:lstStyle/>
+          <a:p>
+            <a:pPr algn="ctr"/>
+            <a:r>
+              <a:rPr lang="en-US" dirty="0">
+                <a:solidFill>
+                  <a:schemeClr val="tx1"/>
+                </a:solidFill>
+              </a:rPr>
+              <a:t>Rearrange</a:t>
+            </a:r>
+          </a:p>
+        </p:txBody>
+      </p:sp>
+    </p:spTree>
+    <p:extLst>
+      <p:ext uri="{BB962C8B-B14F-4D97-AF65-F5344CB8AC3E}">
+        <p14:creationId xmlns:p14="http://schemas.microsoft.com/office/powerpoint/2010/main" val="1430593578"/>
+      </p:ext>
+    </p:extLst>
+  </p:cSld>
+  <p:clrMapOvr>
+    <a:masterClrMapping/>
+  </p:clrMapOvr>
+</p:sld>
+</file>
+
+<file path=ppt/slides/slide22.xml><?xml version="1.0" encoding="utf-8"?>
+<p:sld xmlns:a="http://schemas.openxmlformats.org/drawingml/2006/main" xmlns:r="http://schemas.openxmlformats.org/officeDocument/2006/relationships" xmlns:p="http://schemas.openxmlformats.org/presentationml/2006/main">
+  <p:cSld>
+    <p:spTree>
+      <p:nvGrpSpPr>
+        <p:cNvPr id="1" name=""/>
+        <p:cNvGrpSpPr/>
+        <p:nvPr/>
+      </p:nvGrpSpPr>
+      <p:grpSpPr>
+        <a:xfrm>
+          <a:off x="0" y="0"/>
+          <a:ext cx="0" cy="0"/>
+          <a:chOff x="0" y="0"/>
+          <a:chExt cx="0" cy="0"/>
+        </a:xfrm>
+      </p:grpSpPr>
+      <p:sp>
+        <p:nvSpPr>
+          <p:cNvPr id="2" name="標題 1">
+            <a:extLst>
+              <a:ext uri="{FF2B5EF4-FFF2-40B4-BE49-F238E27FC236}">
+                <a16:creationId xmlns:a16="http://schemas.microsoft.com/office/drawing/2014/main" id="{5534332E-66A6-4F75-AF77-42F50DBACC50}"/>
+              </a:ext>
+            </a:extLst>
+          </p:cNvPr>
+          <p:cNvSpPr>
+            <a:spLocks noGrp="1"/>
+          </p:cNvSpPr>
+          <p:nvPr>
+            <p:ph type="title"/>
+          </p:nvPr>
+        </p:nvSpPr>
+        <p:spPr/>
+        <p:txBody>
+          <a:bodyPr/>
+          <a:lstStyle/>
+          <a:p>
+            <a:endParaRPr lang="zh-TW" altLang="en-US"/>
+          </a:p>
+        </p:txBody>
+      </p:sp>
+      <p:sp>
+        <p:nvSpPr>
+          <p:cNvPr id="3" name="內容版面配置區 2">
+            <a:extLst>
+              <a:ext uri="{FF2B5EF4-FFF2-40B4-BE49-F238E27FC236}">
+                <a16:creationId xmlns:a16="http://schemas.microsoft.com/office/drawing/2014/main" id="{710768ED-78D7-47D6-BC39-F105B42C0733}"/>
+              </a:ext>
+            </a:extLst>
+          </p:cNvPr>
+          <p:cNvSpPr>
+            <a:spLocks noGrp="1"/>
+          </p:cNvSpPr>
+          <p:nvPr>
+            <p:ph idx="1"/>
+          </p:nvPr>
+        </p:nvSpPr>
+        <p:spPr/>
+        <p:txBody>
+          <a:bodyPr/>
+          <a:lstStyle/>
+          <a:p>
+            <a:endParaRPr lang="zh-TW" altLang="en-US"/>
+          </a:p>
+        </p:txBody>
+      </p:sp>
+    </p:spTree>
+    <p:extLst>
+      <p:ext uri="{BB962C8B-B14F-4D97-AF65-F5344CB8AC3E}">
+        <p14:creationId xmlns:p14="http://schemas.microsoft.com/office/powerpoint/2010/main" val="3333891973"/>
+      </p:ext>
+    </p:extLst>
+  </p:cSld>
+  <p:clrMapOvr>
+    <a:masterClrMapping/>
+  </p:clrMapOvr>
+</p:sld>
+</file>
+
+<file path=ppt/slides/slide23.xml><?xml version="1.0" encoding="utf-8"?>
+<p:sld xmlns:a="http://schemas.openxmlformats.org/drawingml/2006/main" xmlns:r="http://schemas.openxmlformats.org/officeDocument/2006/relationships" xmlns:p="http://schemas.openxmlformats.org/presentationml/2006/main">
+  <p:cSld>
+    <p:spTree>
+      <p:nvGrpSpPr>
+        <p:cNvPr id="1" name=""/>
+        <p:cNvGrpSpPr/>
+        <p:nvPr/>
+      </p:nvGrpSpPr>
+      <p:grpSpPr>
+        <a:xfrm>
+          <a:off x="0" y="0"/>
+          <a:ext cx="0" cy="0"/>
+          <a:chOff x="0" y="0"/>
+          <a:chExt cx="0" cy="0"/>
+        </a:xfrm>
+      </p:grpSpPr>
+      <p:graphicFrame>
+        <p:nvGraphicFramePr>
+          <p:cNvPr id="9" name="內容版面配置區 3">
+            <a:extLst>
+              <a:ext uri="{FF2B5EF4-FFF2-40B4-BE49-F238E27FC236}">
+                <a16:creationId xmlns:a16="http://schemas.microsoft.com/office/drawing/2014/main" id="{B54F6077-05B4-4F48-B313-A66D755C9F11}"/>
+              </a:ext>
+            </a:extLst>
+          </p:cNvPr>
+          <p:cNvGraphicFramePr>
+            <a:graphicFrameLocks/>
+          </p:cNvGraphicFramePr>
+          <p:nvPr>
+            <p:extLst>
+              <p:ext uri="{D42A27DB-BD31-4B8C-83A1-F6EECF244321}">
+                <p14:modId xmlns:p14="http://schemas.microsoft.com/office/powerpoint/2010/main" val="1618399242"/>
+              </p:ext>
+            </p:extLst>
+          </p:nvPr>
+        </p:nvGraphicFramePr>
+        <p:xfrm>
+          <a:off x="1005177" y="3934422"/>
+          <a:ext cx="7695120" cy="2027030"/>
+        </p:xfrm>
+        <a:graphic>
+          <a:graphicData uri="http://schemas.openxmlformats.org/drawingml/2006/table">
+            <a:tbl>
+              <a:tblPr firstRow="1" bandRow="1">
+                <a:tableStyleId>{5C22544A-7EE6-4342-B048-85BDC9FD1C3A}</a:tableStyleId>
+              </a:tblPr>
+              <a:tblGrid>
+                <a:gridCol w="769512">
+                  <a:extLst>
+                    <a:ext uri="{9D8B030D-6E8A-4147-A177-3AD203B41FA5}">
+                      <a16:colId xmlns:a16="http://schemas.microsoft.com/office/drawing/2014/main" val="3279817482"/>
+                    </a:ext>
+                  </a:extLst>
+                </a:gridCol>
+                <a:gridCol w="769512">
+                  <a:extLst>
+                    <a:ext uri="{9D8B030D-6E8A-4147-A177-3AD203B41FA5}">
+                      <a16:colId xmlns:a16="http://schemas.microsoft.com/office/drawing/2014/main" val="3644990227"/>
+                    </a:ext>
+                  </a:extLst>
+                </a:gridCol>
+                <a:gridCol w="769512">
+                  <a:extLst>
+                    <a:ext uri="{9D8B030D-6E8A-4147-A177-3AD203B41FA5}">
+                      <a16:colId xmlns:a16="http://schemas.microsoft.com/office/drawing/2014/main" val="1979756185"/>
+                    </a:ext>
+                  </a:extLst>
+                </a:gridCol>
+                <a:gridCol w="769512">
+                  <a:extLst>
+                    <a:ext uri="{9D8B030D-6E8A-4147-A177-3AD203B41FA5}">
+                      <a16:colId xmlns:a16="http://schemas.microsoft.com/office/drawing/2014/main" val="3925963788"/>
+                    </a:ext>
+                  </a:extLst>
+                </a:gridCol>
+                <a:gridCol w="769512">
+                  <a:extLst>
+                    <a:ext uri="{9D8B030D-6E8A-4147-A177-3AD203B41FA5}">
+                      <a16:colId xmlns:a16="http://schemas.microsoft.com/office/drawing/2014/main" val="914692609"/>
+                    </a:ext>
+                  </a:extLst>
+                </a:gridCol>
+                <a:gridCol w="769512">
+                  <a:extLst>
+                    <a:ext uri="{9D8B030D-6E8A-4147-A177-3AD203B41FA5}">
+                      <a16:colId xmlns:a16="http://schemas.microsoft.com/office/drawing/2014/main" val="474064138"/>
+                    </a:ext>
+                  </a:extLst>
+                </a:gridCol>
+                <a:gridCol w="769512">
+                  <a:extLst>
+                    <a:ext uri="{9D8B030D-6E8A-4147-A177-3AD203B41FA5}">
+                      <a16:colId xmlns:a16="http://schemas.microsoft.com/office/drawing/2014/main" val="939052538"/>
+                    </a:ext>
+                  </a:extLst>
+                </a:gridCol>
+                <a:gridCol w="769512">
+                  <a:extLst>
+                    <a:ext uri="{9D8B030D-6E8A-4147-A177-3AD203B41FA5}">
+                      <a16:colId xmlns:a16="http://schemas.microsoft.com/office/drawing/2014/main" val="853490437"/>
+                    </a:ext>
+                  </a:extLst>
+                </a:gridCol>
+                <a:gridCol w="769512">
+                  <a:extLst>
+                    <a:ext uri="{9D8B030D-6E8A-4147-A177-3AD203B41FA5}">
+                      <a16:colId xmlns:a16="http://schemas.microsoft.com/office/drawing/2014/main" val="1300400221"/>
+                    </a:ext>
+                  </a:extLst>
+                </a:gridCol>
+                <a:gridCol w="769512">
+                  <a:extLst>
+                    <a:ext uri="{9D8B030D-6E8A-4147-A177-3AD203B41FA5}">
+                      <a16:colId xmlns:a16="http://schemas.microsoft.com/office/drawing/2014/main" val="4225495899"/>
+                    </a:ext>
+                  </a:extLst>
+                </a:gridCol>
+              </a:tblGrid>
+              <a:tr h="405406">
+                <a:tc>
+                  <a:txBody>
+                    <a:bodyPr/>
+                    <a:lstStyle/>
+                    <a:p>
+                      <a:endParaRPr lang="zh-TW" altLang="en-US" sz="1300" dirty="0"/>
+                    </a:p>
+                  </a:txBody>
+                  <a:tcPr marL="66914" marR="66914" marT="33457" marB="33457">
+                    <a:solidFill>
+                      <a:schemeClr val="bg1"/>
+                    </a:solidFill>
+                  </a:tcPr>
+                </a:tc>
+                <a:tc>
+                  <a:txBody>
+                    <a:bodyPr/>
+                    <a:lstStyle/>
+                    <a:p>
+                      <a:endParaRPr lang="zh-TW" altLang="en-US" sz="1300" dirty="0"/>
+                    </a:p>
+                  </a:txBody>
+                  <a:tcPr marL="66914" marR="66914" marT="33457" marB="33457">
+                    <a:solidFill>
+                      <a:schemeClr val="bg1"/>
+                    </a:solidFill>
+                  </a:tcPr>
+                </a:tc>
+                <a:tc>
+                  <a:txBody>
+                    <a:bodyPr/>
+                    <a:lstStyle/>
+                    <a:p>
+                      <a:endParaRPr lang="zh-TW" altLang="en-US" sz="1300" dirty="0"/>
+                    </a:p>
+                  </a:txBody>
+                  <a:tcPr marL="66914" marR="66914" marT="33457" marB="33457">
+                    <a:solidFill>
+                      <a:schemeClr val="bg1"/>
+                    </a:solidFill>
+                  </a:tcPr>
+                </a:tc>
+                <a:tc>
+                  <a:txBody>
+                    <a:bodyPr/>
+                    <a:lstStyle/>
+                    <a:p>
+                      <a:endParaRPr lang="zh-TW" altLang="en-US" sz="1300" dirty="0"/>
+                    </a:p>
+                  </a:txBody>
+                  <a:tcPr marL="66914" marR="66914" marT="33457" marB="33457">
+                    <a:solidFill>
+                      <a:schemeClr val="bg1"/>
+                    </a:solidFill>
+                  </a:tcPr>
+                </a:tc>
+                <a:tc>
+                  <a:txBody>
+                    <a:bodyPr/>
+                    <a:lstStyle/>
+                    <a:p>
+                      <a:endParaRPr lang="zh-TW" altLang="en-US" sz="1300" dirty="0"/>
+                    </a:p>
+                  </a:txBody>
+                  <a:tcPr marL="66914" marR="66914" marT="33457" marB="33457">
+                    <a:solidFill>
+                      <a:schemeClr val="bg1"/>
+                    </a:solidFill>
+                  </a:tcPr>
+                </a:tc>
+                <a:tc>
+                  <a:txBody>
+                    <a:bodyPr/>
+                    <a:lstStyle/>
+                    <a:p>
+                      <a:endParaRPr lang="zh-TW" altLang="en-US" sz="1300" dirty="0"/>
+                    </a:p>
+                  </a:txBody>
+                  <a:tcPr marL="66914" marR="66914" marT="33457" marB="33457">
+                    <a:solidFill>
+                      <a:schemeClr val="bg1"/>
+                    </a:solidFill>
+                  </a:tcPr>
+                </a:tc>
+                <a:tc>
+                  <a:txBody>
+                    <a:bodyPr/>
+                    <a:lstStyle/>
+                    <a:p>
+                      <a:endParaRPr lang="zh-TW" altLang="en-US" sz="1300" dirty="0"/>
+                    </a:p>
+                  </a:txBody>
+                  <a:tcPr marL="66914" marR="66914" marT="33457" marB="33457">
+                    <a:solidFill>
+                      <a:schemeClr val="bg1"/>
+                    </a:solidFill>
+                  </a:tcPr>
+                </a:tc>
+                <a:tc>
+                  <a:txBody>
+                    <a:bodyPr/>
+                    <a:lstStyle/>
+                    <a:p>
+                      <a:endParaRPr lang="zh-TW" altLang="en-US" sz="1300" dirty="0"/>
+                    </a:p>
+                  </a:txBody>
+                  <a:tcPr marL="66914" marR="66914" marT="33457" marB="33457">
+                    <a:solidFill>
+                      <a:schemeClr val="bg1"/>
+                    </a:solidFill>
+                  </a:tcPr>
+                </a:tc>
+                <a:tc>
+                  <a:txBody>
+                    <a:bodyPr/>
+                    <a:lstStyle/>
+                    <a:p>
+                      <a:endParaRPr lang="zh-TW" altLang="en-US" sz="1300" dirty="0"/>
+                    </a:p>
+                  </a:txBody>
+                  <a:tcPr marL="66914" marR="66914" marT="33457" marB="33457">
+                    <a:solidFill>
+                      <a:schemeClr val="bg1"/>
+                    </a:solidFill>
+                  </a:tcPr>
+                </a:tc>
+                <a:tc>
+                  <a:txBody>
+                    <a:bodyPr/>
+                    <a:lstStyle/>
+                    <a:p>
+                      <a:endParaRPr lang="zh-TW" altLang="en-US" sz="1300" dirty="0"/>
+                    </a:p>
+                  </a:txBody>
+                  <a:tcPr marL="66914" marR="66914" marT="33457" marB="33457">
+                    <a:solidFill>
+                      <a:schemeClr val="bg1"/>
+                    </a:solidFill>
+                  </a:tcPr>
+                </a:tc>
+                <a:extLst>
+                  <a:ext uri="{0D108BD9-81ED-4DB2-BD59-A6C34878D82A}">
+                    <a16:rowId xmlns:a16="http://schemas.microsoft.com/office/drawing/2014/main" val="1675555383"/>
+                  </a:ext>
+                </a:extLst>
+              </a:tr>
+              <a:tr h="405406">
+                <a:tc>
+                  <a:txBody>
+                    <a:bodyPr/>
+                    <a:lstStyle/>
+                    <a:p>
+                      <a:endParaRPr lang="zh-TW" altLang="en-US" sz="1300" dirty="0"/>
+                    </a:p>
+                  </a:txBody>
+                  <a:tcPr marL="66914" marR="66914" marT="33457" marB="33457">
+                    <a:solidFill>
+                      <a:schemeClr val="bg1"/>
+                    </a:solidFill>
+                  </a:tcPr>
+                </a:tc>
+                <a:tc>
+                  <a:txBody>
+                    <a:bodyPr/>
+                    <a:lstStyle/>
+                    <a:p>
+                      <a:endParaRPr lang="zh-TW" altLang="en-US" sz="1300" dirty="0"/>
+                    </a:p>
+                  </a:txBody>
+                  <a:tcPr marL="66914" marR="66914" marT="33457" marB="33457">
+                    <a:solidFill>
+                      <a:schemeClr val="bg1"/>
+                    </a:solidFill>
+                  </a:tcPr>
+                </a:tc>
+                <a:tc>
+                  <a:txBody>
+                    <a:bodyPr/>
+                    <a:lstStyle/>
+                    <a:p>
+                      <a:endParaRPr lang="zh-TW" altLang="en-US" sz="1300" dirty="0"/>
+                    </a:p>
+                  </a:txBody>
+                  <a:tcPr marL="66914" marR="66914" marT="33457" marB="33457">
+                    <a:solidFill>
+                      <a:schemeClr val="bg1"/>
+                    </a:solidFill>
+                  </a:tcPr>
+                </a:tc>
+                <a:tc>
+                  <a:txBody>
+                    <a:bodyPr/>
+                    <a:lstStyle/>
+                    <a:p>
+                      <a:endParaRPr lang="zh-TW" altLang="en-US" sz="1300" dirty="0"/>
+                    </a:p>
+                  </a:txBody>
+                  <a:tcPr marL="66914" marR="66914" marT="33457" marB="33457">
+                    <a:solidFill>
+                      <a:schemeClr val="bg1"/>
+                    </a:solidFill>
+                  </a:tcPr>
+                </a:tc>
+                <a:tc>
+                  <a:txBody>
+                    <a:bodyPr/>
+                    <a:lstStyle/>
+                    <a:p>
+                      <a:endParaRPr lang="zh-TW" altLang="en-US" sz="1300" dirty="0"/>
+                    </a:p>
+                  </a:txBody>
+                  <a:tcPr marL="66914" marR="66914" marT="33457" marB="33457">
+                    <a:solidFill>
+                      <a:schemeClr val="bg1"/>
+                    </a:solidFill>
+                  </a:tcPr>
+                </a:tc>
+                <a:tc>
+                  <a:txBody>
+                    <a:bodyPr/>
+                    <a:lstStyle/>
+                    <a:p>
+                      <a:endParaRPr lang="zh-TW" altLang="en-US" sz="1300" dirty="0"/>
+                    </a:p>
+                  </a:txBody>
+                  <a:tcPr marL="66914" marR="66914" marT="33457" marB="33457">
+                    <a:solidFill>
+                      <a:schemeClr val="bg1"/>
+                    </a:solidFill>
+                  </a:tcPr>
+                </a:tc>
+                <a:tc>
+                  <a:txBody>
+                    <a:bodyPr/>
+                    <a:lstStyle/>
+                    <a:p>
+                      <a:endParaRPr lang="zh-TW" altLang="en-US" sz="1300" kern="1200" dirty="0">
+                        <a:solidFill>
+                          <a:schemeClr val="dk1"/>
+                        </a:solidFill>
+                        <a:latin typeface="+mn-lt"/>
+                        <a:ea typeface="+mn-ea"/>
+                        <a:cs typeface="+mn-cs"/>
+                      </a:endParaRPr>
+                    </a:p>
+                  </a:txBody>
+                  <a:tcPr marL="66914" marR="66914" marT="33457" marB="33457">
+                    <a:solidFill>
+                      <a:srgbClr val="FF0000"/>
+                    </a:solidFill>
+                  </a:tcPr>
+                </a:tc>
+                <a:tc>
+                  <a:txBody>
+                    <a:bodyPr/>
+                    <a:lstStyle/>
+                    <a:p>
+                      <a:endParaRPr lang="zh-TW" altLang="en-US" sz="1300" dirty="0"/>
+                    </a:p>
+                  </a:txBody>
+                  <a:tcPr marL="66914" marR="66914" marT="33457" marB="33457">
+                    <a:solidFill>
+                      <a:schemeClr val="bg1"/>
+                    </a:solidFill>
+                  </a:tcPr>
+                </a:tc>
+                <a:tc>
+                  <a:txBody>
+                    <a:bodyPr/>
+                    <a:lstStyle/>
+                    <a:p>
+                      <a:endParaRPr lang="zh-TW" altLang="en-US" sz="1300" dirty="0"/>
+                    </a:p>
+                  </a:txBody>
+                  <a:tcPr marL="66914" marR="66914" marT="33457" marB="33457">
+                    <a:solidFill>
+                      <a:srgbClr val="0070C0"/>
+                    </a:solidFill>
+                  </a:tcPr>
+                </a:tc>
+                <a:tc>
+                  <a:txBody>
+                    <a:bodyPr/>
+                    <a:lstStyle/>
+                    <a:p>
+                      <a:endParaRPr lang="zh-TW" altLang="en-US" sz="1300" dirty="0"/>
+                    </a:p>
+                  </a:txBody>
+                  <a:tcPr marL="66914" marR="66914" marT="33457" marB="33457">
+                    <a:solidFill>
+                      <a:schemeClr val="bg1"/>
+                    </a:solidFill>
+                  </a:tcPr>
+                </a:tc>
+                <a:extLst>
+                  <a:ext uri="{0D108BD9-81ED-4DB2-BD59-A6C34878D82A}">
+                    <a16:rowId xmlns:a16="http://schemas.microsoft.com/office/drawing/2014/main" val="1127535494"/>
+                  </a:ext>
+                </a:extLst>
+              </a:tr>
+              <a:tr h="405406">
+                <a:tc>
+                  <a:txBody>
+                    <a:bodyPr/>
+                    <a:lstStyle/>
+                    <a:p>
+                      <a:endParaRPr lang="zh-TW" altLang="en-US" sz="1300" dirty="0"/>
+                    </a:p>
+                  </a:txBody>
+                  <a:tcPr marL="66914" marR="66914" marT="33457" marB="33457">
+                    <a:solidFill>
+                      <a:schemeClr val="bg1"/>
+                    </a:solidFill>
+                  </a:tcPr>
+                </a:tc>
+                <a:tc>
+                  <a:txBody>
+                    <a:bodyPr/>
+                    <a:lstStyle/>
+                    <a:p>
+                      <a:endParaRPr lang="zh-TW" altLang="en-US" sz="1300" dirty="0"/>
+                    </a:p>
+                  </a:txBody>
+                  <a:tcPr marL="66914" marR="66914" marT="33457" marB="33457">
+                    <a:solidFill>
+                      <a:schemeClr val="bg1"/>
+                    </a:solidFill>
+                  </a:tcPr>
+                </a:tc>
+                <a:tc>
+                  <a:txBody>
+                    <a:bodyPr/>
+                    <a:lstStyle/>
+                    <a:p>
+                      <a:endParaRPr lang="zh-TW" altLang="en-US" sz="1300" dirty="0"/>
+                    </a:p>
+                  </a:txBody>
+                  <a:tcPr marL="66914" marR="66914" marT="33457" marB="33457">
+                    <a:solidFill>
+                      <a:srgbClr val="FF0000"/>
+                    </a:solidFill>
+                  </a:tcPr>
+                </a:tc>
+                <a:tc>
+                  <a:txBody>
+                    <a:bodyPr/>
+                    <a:lstStyle/>
+                    <a:p>
+                      <a:endParaRPr lang="zh-TW" altLang="en-US" sz="1300" dirty="0"/>
+                    </a:p>
+                  </a:txBody>
+                  <a:tcPr marL="66914" marR="66914" marT="33457" marB="33457">
+                    <a:solidFill>
+                      <a:schemeClr val="bg1"/>
+                    </a:solidFill>
+                  </a:tcPr>
+                </a:tc>
+                <a:tc>
+                  <a:txBody>
+                    <a:bodyPr/>
+                    <a:lstStyle/>
+                    <a:p>
+                      <a:endParaRPr lang="zh-TW" altLang="en-US" sz="1300" dirty="0"/>
+                    </a:p>
+                  </a:txBody>
+                  <a:tcPr marL="66914" marR="66914" marT="33457" marB="33457">
+                    <a:solidFill>
+                      <a:schemeClr val="bg1"/>
+                    </a:solidFill>
+                  </a:tcPr>
+                </a:tc>
+                <a:tc>
+                  <a:txBody>
+                    <a:bodyPr/>
+                    <a:lstStyle/>
+                    <a:p>
+                      <a:endParaRPr lang="zh-TW" altLang="en-US" sz="1300" dirty="0"/>
+                    </a:p>
+                  </a:txBody>
+                  <a:tcPr marL="66914" marR="66914" marT="33457" marB="33457">
+                    <a:solidFill>
+                      <a:srgbClr val="FF0000"/>
+                    </a:solidFill>
+                  </a:tcPr>
+                </a:tc>
+                <a:tc>
+                  <a:txBody>
+                    <a:bodyPr/>
+                    <a:lstStyle/>
+                    <a:p>
+                      <a:endParaRPr lang="zh-TW" altLang="en-US" sz="1300" dirty="0"/>
+                    </a:p>
+                  </a:txBody>
+                  <a:tcPr marL="66914" marR="66914" marT="33457" marB="33457">
+                    <a:solidFill>
+                      <a:srgbClr val="0070C0"/>
+                    </a:solidFill>
+                  </a:tcPr>
+                </a:tc>
+                <a:tc>
+                  <a:txBody>
+                    <a:bodyPr/>
+                    <a:lstStyle/>
+                    <a:p>
+                      <a:endParaRPr lang="zh-TW" altLang="en-US" sz="1300" dirty="0"/>
+                    </a:p>
+                  </a:txBody>
+                  <a:tcPr marL="66914" marR="66914" marT="33457" marB="33457">
+                    <a:solidFill>
+                      <a:srgbClr val="0070C0"/>
+                    </a:solidFill>
+                  </a:tcPr>
+                </a:tc>
+                <a:tc>
+                  <a:txBody>
+                    <a:bodyPr/>
+                    <a:lstStyle/>
+                    <a:p>
+                      <a:endParaRPr lang="zh-TW" altLang="en-US" sz="1300" dirty="0"/>
+                    </a:p>
+                  </a:txBody>
+                  <a:tcPr marL="66914" marR="66914" marT="33457" marB="33457">
+                    <a:solidFill>
+                      <a:srgbClr val="0070C0"/>
+                    </a:solidFill>
+                  </a:tcPr>
+                </a:tc>
+                <a:tc>
+                  <a:txBody>
+                    <a:bodyPr/>
+                    <a:lstStyle/>
+                    <a:p>
+                      <a:endParaRPr lang="zh-TW" altLang="en-US" sz="1300" dirty="0"/>
+                    </a:p>
+                  </a:txBody>
+                  <a:tcPr marL="66914" marR="66914" marT="33457" marB="33457">
+                    <a:solidFill>
+                      <a:schemeClr val="bg1"/>
+                    </a:solidFill>
+                  </a:tcPr>
+                </a:tc>
+                <a:extLst>
+                  <a:ext uri="{0D108BD9-81ED-4DB2-BD59-A6C34878D82A}">
+                    <a16:rowId xmlns:a16="http://schemas.microsoft.com/office/drawing/2014/main" val="1055912127"/>
+                  </a:ext>
+                </a:extLst>
+              </a:tr>
+              <a:tr h="405406">
+                <a:tc>
+                  <a:txBody>
+                    <a:bodyPr/>
+                    <a:lstStyle/>
+                    <a:p>
+                      <a:endParaRPr lang="zh-TW" altLang="en-US" sz="1300" dirty="0"/>
+                    </a:p>
+                  </a:txBody>
+                  <a:tcPr marL="66914" marR="66914" marT="33457" marB="33457">
+                    <a:solidFill>
+                      <a:srgbClr val="FF0000"/>
+                    </a:solidFill>
+                  </a:tcPr>
+                </a:tc>
+                <a:tc>
+                  <a:txBody>
+                    <a:bodyPr/>
+                    <a:lstStyle/>
+                    <a:p>
+                      <a:endParaRPr lang="zh-TW" altLang="en-US" sz="1300" dirty="0"/>
+                    </a:p>
+                  </a:txBody>
+                  <a:tcPr marL="66914" marR="66914" marT="33457" marB="33457">
+                    <a:solidFill>
+                      <a:schemeClr val="bg1"/>
+                    </a:solidFill>
+                  </a:tcPr>
+                </a:tc>
+                <a:tc>
+                  <a:txBody>
+                    <a:bodyPr/>
+                    <a:lstStyle/>
+                    <a:p>
+                      <a:endParaRPr lang="zh-TW" altLang="en-US" sz="1300" dirty="0"/>
+                    </a:p>
+                  </a:txBody>
+                  <a:tcPr marL="66914" marR="66914" marT="33457" marB="33457">
+                    <a:solidFill>
+                      <a:srgbClr val="FF0000"/>
+                    </a:solidFill>
+                  </a:tcPr>
+                </a:tc>
+                <a:tc>
+                  <a:txBody>
+                    <a:bodyPr/>
+                    <a:lstStyle/>
+                    <a:p>
+                      <a:endParaRPr lang="zh-TW" altLang="en-US" sz="1300" dirty="0"/>
+                    </a:p>
+                  </a:txBody>
+                  <a:tcPr marL="66914" marR="66914" marT="33457" marB="33457">
+                    <a:solidFill>
+                      <a:srgbClr val="FF0000"/>
+                    </a:solidFill>
+                  </a:tcPr>
+                </a:tc>
+                <a:tc>
+                  <a:txBody>
+                    <a:bodyPr/>
+                    <a:lstStyle/>
+                    <a:p>
+                      <a:endParaRPr lang="zh-TW" altLang="en-US" sz="1300" dirty="0"/>
+                    </a:p>
+                  </a:txBody>
+                  <a:tcPr marL="66914" marR="66914" marT="33457" marB="33457">
+                    <a:solidFill>
+                      <a:srgbClr val="FF0000"/>
+                    </a:solidFill>
+                  </a:tcPr>
+                </a:tc>
+                <a:tc>
+                  <a:txBody>
+                    <a:bodyPr/>
+                    <a:lstStyle/>
+                    <a:p>
+                      <a:endParaRPr lang="zh-TW" altLang="en-US" sz="1300" dirty="0"/>
+                    </a:p>
+                  </a:txBody>
+                  <a:tcPr marL="66914" marR="66914" marT="33457" marB="33457">
+                    <a:solidFill>
+                      <a:srgbClr val="0070C0"/>
+                    </a:solidFill>
+                  </a:tcPr>
+                </a:tc>
+                <a:tc>
+                  <a:txBody>
+                    <a:bodyPr/>
+                    <a:lstStyle/>
+                    <a:p>
+                      <a:endParaRPr lang="zh-TW" altLang="en-US" sz="1300" dirty="0"/>
+                    </a:p>
+                  </a:txBody>
+                  <a:tcPr marL="66914" marR="66914" marT="33457" marB="33457">
+                    <a:solidFill>
+                      <a:srgbClr val="0070C0"/>
+                    </a:solidFill>
+                  </a:tcPr>
+                </a:tc>
+                <a:tc>
+                  <a:txBody>
+                    <a:bodyPr/>
+                    <a:lstStyle/>
+                    <a:p>
+                      <a:endParaRPr lang="zh-TW" altLang="en-US" sz="1300" dirty="0"/>
+                    </a:p>
+                  </a:txBody>
+                  <a:tcPr marL="66914" marR="66914" marT="33457" marB="33457">
+                    <a:solidFill>
+                      <a:srgbClr val="0070C0"/>
+                    </a:solidFill>
+                  </a:tcPr>
+                </a:tc>
+                <a:tc>
+                  <a:txBody>
+                    <a:bodyPr/>
+                    <a:lstStyle/>
+                    <a:p>
+                      <a:endParaRPr lang="zh-TW" altLang="en-US" sz="1300" dirty="0"/>
+                    </a:p>
+                  </a:txBody>
+                  <a:tcPr marL="66914" marR="66914" marT="33457" marB="33457">
+                    <a:solidFill>
+                      <a:srgbClr val="0070C0"/>
+                    </a:solidFill>
+                  </a:tcPr>
+                </a:tc>
+                <a:tc>
+                  <a:txBody>
+                    <a:bodyPr/>
+                    <a:lstStyle/>
+                    <a:p>
+                      <a:endParaRPr lang="zh-TW" altLang="en-US" sz="1300" dirty="0"/>
+                    </a:p>
+                  </a:txBody>
+                  <a:tcPr marL="66914" marR="66914" marT="33457" marB="33457">
+                    <a:solidFill>
+                      <a:schemeClr val="bg1"/>
+                    </a:solidFill>
+                  </a:tcPr>
+                </a:tc>
+                <a:extLst>
+                  <a:ext uri="{0D108BD9-81ED-4DB2-BD59-A6C34878D82A}">
+                    <a16:rowId xmlns:a16="http://schemas.microsoft.com/office/drawing/2014/main" val="3217273251"/>
+                  </a:ext>
+                </a:extLst>
+              </a:tr>
+              <a:tr h="405406">
+                <a:tc>
+                  <a:txBody>
+                    <a:bodyPr/>
+                    <a:lstStyle/>
+                    <a:p>
+                      <a:endParaRPr lang="zh-TW" altLang="en-US" sz="1300" dirty="0"/>
+                    </a:p>
+                  </a:txBody>
+                  <a:tcPr marL="66914" marR="66914" marT="33457" marB="33457">
+                    <a:solidFill>
+                      <a:srgbClr val="FF0000"/>
+                    </a:solidFill>
+                  </a:tcPr>
+                </a:tc>
+                <a:tc>
+                  <a:txBody>
+                    <a:bodyPr/>
+                    <a:lstStyle/>
+                    <a:p>
+                      <a:endParaRPr lang="zh-TW" altLang="en-US" sz="1300" dirty="0"/>
+                    </a:p>
+                  </a:txBody>
+                  <a:tcPr marL="66914" marR="66914" marT="33457" marB="33457">
+                    <a:solidFill>
+                      <a:srgbClr val="FF0000"/>
+                    </a:solidFill>
+                  </a:tcPr>
+                </a:tc>
+                <a:tc>
+                  <a:txBody>
+                    <a:bodyPr/>
+                    <a:lstStyle/>
+                    <a:p>
+                      <a:endParaRPr lang="zh-TW" altLang="en-US" sz="1300" dirty="0"/>
+                    </a:p>
+                  </a:txBody>
+                  <a:tcPr marL="66914" marR="66914" marT="33457" marB="33457">
+                    <a:solidFill>
+                      <a:srgbClr val="0070C0"/>
+                    </a:solidFill>
+                  </a:tcPr>
+                </a:tc>
+                <a:tc>
+                  <a:txBody>
+                    <a:bodyPr/>
+                    <a:lstStyle/>
+                    <a:p>
+                      <a:endParaRPr lang="zh-TW" altLang="en-US" sz="1300" dirty="0"/>
+                    </a:p>
+                  </a:txBody>
+                  <a:tcPr marL="66914" marR="66914" marT="33457" marB="33457">
+                    <a:solidFill>
+                      <a:srgbClr val="0070C0"/>
+                    </a:solidFill>
+                  </a:tcPr>
+                </a:tc>
+                <a:tc>
+                  <a:txBody>
+                    <a:bodyPr/>
+                    <a:lstStyle/>
+                    <a:p>
+                      <a:endParaRPr lang="zh-TW" altLang="en-US" sz="1300" dirty="0"/>
+                    </a:p>
+                  </a:txBody>
+                  <a:tcPr marL="66914" marR="66914" marT="33457" marB="33457">
+                    <a:solidFill>
+                      <a:srgbClr val="0070C0"/>
+                    </a:solidFill>
+                  </a:tcPr>
+                </a:tc>
+                <a:tc>
+                  <a:txBody>
+                    <a:bodyPr/>
+                    <a:lstStyle/>
+                    <a:p>
+                      <a:endParaRPr lang="zh-TW" altLang="en-US" sz="1300" dirty="0"/>
+                    </a:p>
+                  </a:txBody>
+                  <a:tcPr marL="66914" marR="66914" marT="33457" marB="33457">
+                    <a:solidFill>
+                      <a:srgbClr val="0070C0"/>
+                    </a:solidFill>
+                  </a:tcPr>
+                </a:tc>
+                <a:tc>
+                  <a:txBody>
+                    <a:bodyPr/>
+                    <a:lstStyle/>
+                    <a:p>
+                      <a:endParaRPr lang="zh-TW" altLang="en-US" sz="1300" dirty="0"/>
+                    </a:p>
+                  </a:txBody>
+                  <a:tcPr marL="66914" marR="66914" marT="33457" marB="33457">
+                    <a:solidFill>
+                      <a:srgbClr val="0070C0"/>
+                    </a:solidFill>
+                  </a:tcPr>
+                </a:tc>
+                <a:tc>
+                  <a:txBody>
+                    <a:bodyPr/>
+                    <a:lstStyle/>
+                    <a:p>
+                      <a:endParaRPr lang="zh-TW" altLang="en-US" sz="1300" dirty="0"/>
+                    </a:p>
+                  </a:txBody>
+                  <a:tcPr marL="66914" marR="66914" marT="33457" marB="33457">
+                    <a:solidFill>
+                      <a:srgbClr val="0070C0"/>
+                    </a:solidFill>
+                  </a:tcPr>
+                </a:tc>
+                <a:tc>
+                  <a:txBody>
+                    <a:bodyPr/>
+                    <a:lstStyle/>
+                    <a:p>
+                      <a:endParaRPr lang="zh-TW" altLang="en-US" sz="1300" dirty="0"/>
+                    </a:p>
+                  </a:txBody>
+                  <a:tcPr marL="66914" marR="66914" marT="33457" marB="33457">
+                    <a:solidFill>
+                      <a:srgbClr val="0070C0"/>
+                    </a:solidFill>
+                  </a:tcPr>
+                </a:tc>
+                <a:tc>
+                  <a:txBody>
+                    <a:bodyPr/>
+                    <a:lstStyle/>
+                    <a:p>
+                      <a:endParaRPr lang="zh-TW" altLang="en-US" sz="1300" dirty="0"/>
+                    </a:p>
+                  </a:txBody>
+                  <a:tcPr marL="66914" marR="66914" marT="33457" marB="33457">
+                    <a:solidFill>
+                      <a:schemeClr val="bg1"/>
+                    </a:solidFill>
+                  </a:tcPr>
+                </a:tc>
+                <a:extLst>
+                  <a:ext uri="{0D108BD9-81ED-4DB2-BD59-A6C34878D82A}">
+                    <a16:rowId xmlns:a16="http://schemas.microsoft.com/office/drawing/2014/main" val="3384321701"/>
+                  </a:ext>
+                </a:extLst>
+              </a:tr>
+            </a:tbl>
+          </a:graphicData>
+        </a:graphic>
+      </p:graphicFrame>
+      <p:graphicFrame>
+        <p:nvGraphicFramePr>
+          <p:cNvPr id="11" name="內容版面配置區 3">
+            <a:extLst>
+              <a:ext uri="{FF2B5EF4-FFF2-40B4-BE49-F238E27FC236}">
+                <a16:creationId xmlns:a16="http://schemas.microsoft.com/office/drawing/2014/main" id="{7BC3A17F-A6A1-4AA5-B001-BC0CDEC71371}"/>
+              </a:ext>
+            </a:extLst>
+          </p:cNvPr>
+          <p:cNvGraphicFramePr>
+            <a:graphicFrameLocks/>
+          </p:cNvGraphicFramePr>
+          <p:nvPr>
+            <p:extLst>
+              <p:ext uri="{D42A27DB-BD31-4B8C-83A1-F6EECF244321}">
+                <p14:modId xmlns:p14="http://schemas.microsoft.com/office/powerpoint/2010/main" val="3849015666"/>
+              </p:ext>
+            </p:extLst>
+          </p:nvPr>
+        </p:nvGraphicFramePr>
+        <p:xfrm>
+          <a:off x="1005177" y="1356733"/>
+          <a:ext cx="7695120" cy="2027030"/>
+        </p:xfrm>
+        <a:graphic>
+          <a:graphicData uri="http://schemas.openxmlformats.org/drawingml/2006/table">
+            <a:tbl>
+              <a:tblPr firstRow="1" bandRow="1">
+                <a:tableStyleId>{5C22544A-7EE6-4342-B048-85BDC9FD1C3A}</a:tableStyleId>
+              </a:tblPr>
+              <a:tblGrid>
+                <a:gridCol w="769512">
+                  <a:extLst>
+                    <a:ext uri="{9D8B030D-6E8A-4147-A177-3AD203B41FA5}">
+                      <a16:colId xmlns:a16="http://schemas.microsoft.com/office/drawing/2014/main" val="3279817482"/>
+                    </a:ext>
+                  </a:extLst>
+                </a:gridCol>
+                <a:gridCol w="769512">
+                  <a:extLst>
+                    <a:ext uri="{9D8B030D-6E8A-4147-A177-3AD203B41FA5}">
+                      <a16:colId xmlns:a16="http://schemas.microsoft.com/office/drawing/2014/main" val="3644990227"/>
+                    </a:ext>
+                  </a:extLst>
+                </a:gridCol>
+                <a:gridCol w="769512">
+                  <a:extLst>
+                    <a:ext uri="{9D8B030D-6E8A-4147-A177-3AD203B41FA5}">
+                      <a16:colId xmlns:a16="http://schemas.microsoft.com/office/drawing/2014/main" val="1979756185"/>
+                    </a:ext>
+                  </a:extLst>
+                </a:gridCol>
+                <a:gridCol w="769512">
+                  <a:extLst>
+                    <a:ext uri="{9D8B030D-6E8A-4147-A177-3AD203B41FA5}">
+                      <a16:colId xmlns:a16="http://schemas.microsoft.com/office/drawing/2014/main" val="3925963788"/>
+                    </a:ext>
+                  </a:extLst>
+                </a:gridCol>
+                <a:gridCol w="769512">
+                  <a:extLst>
+                    <a:ext uri="{9D8B030D-6E8A-4147-A177-3AD203B41FA5}">
+                      <a16:colId xmlns:a16="http://schemas.microsoft.com/office/drawing/2014/main" val="914692609"/>
+                    </a:ext>
+                  </a:extLst>
+                </a:gridCol>
+                <a:gridCol w="769512">
+                  <a:extLst>
+                    <a:ext uri="{9D8B030D-6E8A-4147-A177-3AD203B41FA5}">
+                      <a16:colId xmlns:a16="http://schemas.microsoft.com/office/drawing/2014/main" val="474064138"/>
+                    </a:ext>
+                  </a:extLst>
+                </a:gridCol>
+                <a:gridCol w="769512">
+                  <a:extLst>
+                    <a:ext uri="{9D8B030D-6E8A-4147-A177-3AD203B41FA5}">
+                      <a16:colId xmlns:a16="http://schemas.microsoft.com/office/drawing/2014/main" val="939052538"/>
+                    </a:ext>
+                  </a:extLst>
+                </a:gridCol>
+                <a:gridCol w="769512">
+                  <a:extLst>
+                    <a:ext uri="{9D8B030D-6E8A-4147-A177-3AD203B41FA5}">
+                      <a16:colId xmlns:a16="http://schemas.microsoft.com/office/drawing/2014/main" val="853490437"/>
+                    </a:ext>
+                  </a:extLst>
+                </a:gridCol>
+                <a:gridCol w="769512">
+                  <a:extLst>
+                    <a:ext uri="{9D8B030D-6E8A-4147-A177-3AD203B41FA5}">
+                      <a16:colId xmlns:a16="http://schemas.microsoft.com/office/drawing/2014/main" val="1300400221"/>
+                    </a:ext>
+                  </a:extLst>
+                </a:gridCol>
+                <a:gridCol w="769512">
+                  <a:extLst>
+                    <a:ext uri="{9D8B030D-6E8A-4147-A177-3AD203B41FA5}">
+                      <a16:colId xmlns:a16="http://schemas.microsoft.com/office/drawing/2014/main" val="4225495899"/>
+                    </a:ext>
+                  </a:extLst>
+                </a:gridCol>
+              </a:tblGrid>
+              <a:tr h="405406">
+                <a:tc>
+                  <a:txBody>
+                    <a:bodyPr/>
+                    <a:lstStyle/>
+                    <a:p>
+                      <a:endParaRPr lang="zh-TW" altLang="en-US" sz="1300" dirty="0"/>
+                    </a:p>
+                  </a:txBody>
+                  <a:tcPr marL="66914" marR="66914" marT="33457" marB="33457">
+                    <a:solidFill>
+                      <a:schemeClr val="bg1"/>
+                    </a:solidFill>
+                  </a:tcPr>
+                </a:tc>
+                <a:tc>
+                  <a:txBody>
+                    <a:bodyPr/>
+                    <a:lstStyle/>
+                    <a:p>
+                      <a:endParaRPr lang="zh-TW" altLang="en-US" sz="1300" dirty="0"/>
+                    </a:p>
+                  </a:txBody>
+                  <a:tcPr marL="66914" marR="66914" marT="33457" marB="33457">
+                    <a:solidFill>
+                      <a:schemeClr val="bg1"/>
+                    </a:solidFill>
+                  </a:tcPr>
+                </a:tc>
+                <a:tc>
+                  <a:txBody>
+                    <a:bodyPr/>
+                    <a:lstStyle/>
+                    <a:p>
+                      <a:endParaRPr lang="zh-TW" altLang="en-US" sz="1300" dirty="0"/>
+                    </a:p>
+                  </a:txBody>
+                  <a:tcPr marL="66914" marR="66914" marT="33457" marB="33457">
+                    <a:solidFill>
+                      <a:schemeClr val="bg1"/>
+                    </a:solidFill>
+                  </a:tcPr>
+                </a:tc>
+                <a:tc>
+                  <a:txBody>
+                    <a:bodyPr/>
+                    <a:lstStyle/>
+                    <a:p>
+                      <a:endParaRPr lang="zh-TW" altLang="en-US" sz="1300" dirty="0"/>
+                    </a:p>
+                  </a:txBody>
+                  <a:tcPr marL="66914" marR="66914" marT="33457" marB="33457">
+                    <a:solidFill>
+                      <a:schemeClr val="bg1"/>
+                    </a:solidFill>
+                  </a:tcPr>
+                </a:tc>
+                <a:tc>
+                  <a:txBody>
+                    <a:bodyPr/>
+                    <a:lstStyle/>
+                    <a:p>
+                      <a:endParaRPr lang="zh-TW" altLang="en-US" sz="1300" dirty="0"/>
+                    </a:p>
+                  </a:txBody>
+                  <a:tcPr marL="66914" marR="66914" marT="33457" marB="33457">
+                    <a:solidFill>
+                      <a:schemeClr val="bg1"/>
+                    </a:solidFill>
+                  </a:tcPr>
+                </a:tc>
+                <a:tc>
+                  <a:txBody>
+                    <a:bodyPr/>
+                    <a:lstStyle/>
+                    <a:p>
+                      <a:endParaRPr lang="zh-TW" altLang="en-US" sz="1300" dirty="0"/>
+                    </a:p>
+                  </a:txBody>
+                  <a:tcPr marL="66914" marR="66914" marT="33457" marB="33457">
+                    <a:solidFill>
+                      <a:schemeClr val="bg1"/>
+                    </a:solidFill>
+                  </a:tcPr>
+                </a:tc>
+                <a:tc>
+                  <a:txBody>
+                    <a:bodyPr/>
+                    <a:lstStyle/>
+                    <a:p>
+                      <a:endParaRPr lang="zh-TW" altLang="en-US" sz="1300" dirty="0"/>
+                    </a:p>
+                  </a:txBody>
+                  <a:tcPr marL="66914" marR="66914" marT="33457" marB="33457">
+                    <a:solidFill>
+                      <a:schemeClr val="bg1"/>
+                    </a:solidFill>
+                  </a:tcPr>
+                </a:tc>
+                <a:tc>
+                  <a:txBody>
+                    <a:bodyPr/>
+                    <a:lstStyle/>
+                    <a:p>
+                      <a:endParaRPr lang="zh-TW" altLang="en-US" sz="1300" dirty="0"/>
+                    </a:p>
+                  </a:txBody>
+                  <a:tcPr marL="66914" marR="66914" marT="33457" marB="33457">
+                    <a:solidFill>
+                      <a:schemeClr val="bg1"/>
+                    </a:solidFill>
+                  </a:tcPr>
+                </a:tc>
+                <a:tc>
+                  <a:txBody>
+                    <a:bodyPr/>
+                    <a:lstStyle/>
+                    <a:p>
+                      <a:endParaRPr lang="zh-TW" altLang="en-US" sz="1300" dirty="0"/>
+                    </a:p>
+                  </a:txBody>
+                  <a:tcPr marL="66914" marR="66914" marT="33457" marB="33457">
+                    <a:solidFill>
+                      <a:schemeClr val="bg1"/>
+                    </a:solidFill>
+                  </a:tcPr>
+                </a:tc>
+                <a:tc>
+                  <a:txBody>
+                    <a:bodyPr/>
+                    <a:lstStyle/>
+                    <a:p>
+                      <a:endParaRPr lang="zh-TW" altLang="en-US" sz="1300" dirty="0"/>
+                    </a:p>
+                  </a:txBody>
+                  <a:tcPr marL="66914" marR="66914" marT="33457" marB="33457">
+                    <a:solidFill>
+                      <a:schemeClr val="bg1"/>
+                    </a:solidFill>
+                  </a:tcPr>
+                </a:tc>
+                <a:extLst>
+                  <a:ext uri="{0D108BD9-81ED-4DB2-BD59-A6C34878D82A}">
+                    <a16:rowId xmlns:a16="http://schemas.microsoft.com/office/drawing/2014/main" val="1675555383"/>
+                  </a:ext>
+                </a:extLst>
+              </a:tr>
+              <a:tr h="405406">
+                <a:tc>
+                  <a:txBody>
+                    <a:bodyPr/>
+                    <a:lstStyle/>
+                    <a:p>
+                      <a:endParaRPr lang="zh-TW" altLang="en-US" sz="1300" dirty="0"/>
+                    </a:p>
+                  </a:txBody>
+                  <a:tcPr marL="66914" marR="66914" marT="33457" marB="33457">
+                    <a:solidFill>
+                      <a:schemeClr val="bg1"/>
+                    </a:solidFill>
+                  </a:tcPr>
+                </a:tc>
+                <a:tc>
+                  <a:txBody>
+                    <a:bodyPr/>
+                    <a:lstStyle/>
+                    <a:p>
+                      <a:endParaRPr lang="zh-TW" altLang="en-US" sz="1300" dirty="0"/>
+                    </a:p>
+                  </a:txBody>
+                  <a:tcPr marL="66914" marR="66914" marT="33457" marB="33457">
+                    <a:solidFill>
+                      <a:srgbClr val="FF0000"/>
+                    </a:solidFill>
+                  </a:tcPr>
+                </a:tc>
+                <a:tc>
+                  <a:txBody>
+                    <a:bodyPr/>
+                    <a:lstStyle/>
+                    <a:p>
+                      <a:endParaRPr lang="zh-TW" altLang="en-US" sz="1300" dirty="0"/>
+                    </a:p>
+                  </a:txBody>
+                  <a:tcPr marL="66914" marR="66914" marT="33457" marB="33457">
+                    <a:solidFill>
+                      <a:schemeClr val="bg1"/>
+                    </a:solidFill>
+                  </a:tcPr>
+                </a:tc>
+                <a:tc>
+                  <a:txBody>
+                    <a:bodyPr/>
+                    <a:lstStyle/>
+                    <a:p>
+                      <a:endParaRPr lang="zh-TW" altLang="en-US" sz="1300" dirty="0"/>
+                    </a:p>
+                  </a:txBody>
+                  <a:tcPr marL="66914" marR="66914" marT="33457" marB="33457">
+                    <a:solidFill>
+                      <a:schemeClr val="bg1"/>
+                    </a:solidFill>
+                  </a:tcPr>
+                </a:tc>
+                <a:tc>
+                  <a:txBody>
+                    <a:bodyPr/>
+                    <a:lstStyle/>
+                    <a:p>
+                      <a:endParaRPr lang="zh-TW" altLang="en-US" sz="1300" dirty="0"/>
+                    </a:p>
+                  </a:txBody>
+                  <a:tcPr marL="66914" marR="66914" marT="33457" marB="33457">
+                    <a:solidFill>
+                      <a:schemeClr val="bg1"/>
+                    </a:solidFill>
+                  </a:tcPr>
+                </a:tc>
+                <a:tc>
+                  <a:txBody>
+                    <a:bodyPr/>
+                    <a:lstStyle/>
+                    <a:p>
+                      <a:endParaRPr lang="zh-TW" altLang="en-US" sz="1300" dirty="0"/>
+                    </a:p>
+                  </a:txBody>
+                  <a:tcPr marL="66914" marR="66914" marT="33457" marB="33457">
+                    <a:solidFill>
+                      <a:schemeClr val="bg1"/>
+                    </a:solidFill>
+                  </a:tcPr>
+                </a:tc>
+                <a:tc>
+                  <a:txBody>
+                    <a:bodyPr/>
+                    <a:lstStyle/>
+                    <a:p>
+                      <a:endParaRPr lang="zh-TW" altLang="en-US" sz="1300" kern="1200" dirty="0">
+                        <a:solidFill>
+                          <a:schemeClr val="dk1"/>
+                        </a:solidFill>
+                        <a:latin typeface="+mn-lt"/>
+                        <a:ea typeface="+mn-ea"/>
+                        <a:cs typeface="+mn-cs"/>
+                      </a:endParaRPr>
+                    </a:p>
+                  </a:txBody>
+                  <a:tcPr marL="66914" marR="66914" marT="33457" marB="33457">
+                    <a:solidFill>
+                      <a:srgbClr val="0070C0"/>
+                    </a:solidFill>
+                  </a:tcPr>
+                </a:tc>
+                <a:tc>
+                  <a:txBody>
+                    <a:bodyPr/>
+                    <a:lstStyle/>
+                    <a:p>
+                      <a:endParaRPr lang="zh-TW" altLang="en-US" sz="1300" dirty="0"/>
+                    </a:p>
+                  </a:txBody>
+                  <a:tcPr marL="66914" marR="66914" marT="33457" marB="33457">
+                    <a:solidFill>
+                      <a:schemeClr val="bg1"/>
+                    </a:solidFill>
+                  </a:tcPr>
+                </a:tc>
+                <a:tc>
+                  <a:txBody>
+                    <a:bodyPr/>
+                    <a:lstStyle/>
+                    <a:p>
+                      <a:endParaRPr lang="zh-TW" altLang="en-US" sz="1300" dirty="0"/>
+                    </a:p>
+                  </a:txBody>
+                  <a:tcPr marL="66914" marR="66914" marT="33457" marB="33457">
+                    <a:solidFill>
+                      <a:schemeClr val="bg1"/>
+                    </a:solidFill>
+                  </a:tcPr>
+                </a:tc>
+                <a:tc>
+                  <a:txBody>
+                    <a:bodyPr/>
+                    <a:lstStyle/>
+                    <a:p>
+                      <a:endParaRPr lang="zh-TW" altLang="en-US" sz="1300" dirty="0"/>
+                    </a:p>
+                  </a:txBody>
+                  <a:tcPr marL="66914" marR="66914" marT="33457" marB="33457">
+                    <a:solidFill>
+                      <a:schemeClr val="bg1"/>
+                    </a:solidFill>
+                  </a:tcPr>
+                </a:tc>
+                <a:extLst>
+                  <a:ext uri="{0D108BD9-81ED-4DB2-BD59-A6C34878D82A}">
+                    <a16:rowId xmlns:a16="http://schemas.microsoft.com/office/drawing/2014/main" val="1127535494"/>
+                  </a:ext>
+                </a:extLst>
+              </a:tr>
+              <a:tr h="405406">
+                <a:tc>
+                  <a:txBody>
+                    <a:bodyPr/>
+                    <a:lstStyle/>
+                    <a:p>
+                      <a:endParaRPr lang="zh-TW" altLang="en-US" sz="1300" dirty="0"/>
+                    </a:p>
+                  </a:txBody>
+                  <a:tcPr marL="66914" marR="66914" marT="33457" marB="33457">
+                    <a:solidFill>
+                      <a:schemeClr val="bg1"/>
+                    </a:solidFill>
+                  </a:tcPr>
+                </a:tc>
+                <a:tc>
+                  <a:txBody>
+                    <a:bodyPr/>
+                    <a:lstStyle/>
+                    <a:p>
+                      <a:endParaRPr lang="zh-TW" altLang="en-US" sz="1300" dirty="0"/>
+                    </a:p>
+                  </a:txBody>
+                  <a:tcPr marL="66914" marR="66914" marT="33457" marB="33457">
+                    <a:solidFill>
+                      <a:srgbClr val="0070C0"/>
+                    </a:solidFill>
+                  </a:tcPr>
+                </a:tc>
+                <a:tc>
+                  <a:txBody>
+                    <a:bodyPr/>
+                    <a:lstStyle/>
+                    <a:p>
+                      <a:endParaRPr lang="zh-TW" altLang="en-US" sz="1300" dirty="0"/>
+                    </a:p>
+                  </a:txBody>
+                  <a:tcPr marL="66914" marR="66914" marT="33457" marB="33457">
+                    <a:solidFill>
+                      <a:srgbClr val="FF0000"/>
+                    </a:solidFill>
+                  </a:tcPr>
+                </a:tc>
+                <a:tc>
+                  <a:txBody>
+                    <a:bodyPr/>
+                    <a:lstStyle/>
+                    <a:p>
+                      <a:endParaRPr lang="zh-TW" altLang="en-US" sz="1300" dirty="0"/>
+                    </a:p>
+                  </a:txBody>
+                  <a:tcPr marL="66914" marR="66914" marT="33457" marB="33457">
+                    <a:solidFill>
+                      <a:schemeClr val="bg1"/>
+                    </a:solidFill>
+                  </a:tcPr>
+                </a:tc>
+                <a:tc>
+                  <a:txBody>
+                    <a:bodyPr/>
+                    <a:lstStyle/>
+                    <a:p>
+                      <a:endParaRPr lang="zh-TW" altLang="en-US" sz="1300" dirty="0"/>
+                    </a:p>
+                  </a:txBody>
+                  <a:tcPr marL="66914" marR="66914" marT="33457" marB="33457">
+                    <a:solidFill>
+                      <a:srgbClr val="0070C0"/>
+                    </a:solidFill>
+                  </a:tcPr>
+                </a:tc>
+                <a:tc>
+                  <a:txBody>
+                    <a:bodyPr/>
+                    <a:lstStyle/>
+                    <a:p>
+                      <a:endParaRPr lang="zh-TW" altLang="en-US" sz="1300" dirty="0"/>
+                    </a:p>
+                  </a:txBody>
+                  <a:tcPr marL="66914" marR="66914" marT="33457" marB="33457">
+                    <a:solidFill>
+                      <a:srgbClr val="FF0000"/>
+                    </a:solidFill>
+                  </a:tcPr>
+                </a:tc>
+                <a:tc>
+                  <a:txBody>
+                    <a:bodyPr/>
+                    <a:lstStyle/>
+                    <a:p>
+                      <a:endParaRPr lang="zh-TW" altLang="en-US" sz="1300" dirty="0"/>
+                    </a:p>
+                  </a:txBody>
+                  <a:tcPr marL="66914" marR="66914" marT="33457" marB="33457">
+                    <a:solidFill>
+                      <a:srgbClr val="0070C0"/>
+                    </a:solidFill>
+                  </a:tcPr>
+                </a:tc>
+                <a:tc>
+                  <a:txBody>
+                    <a:bodyPr/>
+                    <a:lstStyle/>
+                    <a:p>
+                      <a:endParaRPr lang="zh-TW" altLang="en-US" sz="1300" dirty="0"/>
+                    </a:p>
+                  </a:txBody>
+                  <a:tcPr marL="66914" marR="66914" marT="33457" marB="33457">
+                    <a:solidFill>
+                      <a:schemeClr val="bg1"/>
+                    </a:solidFill>
+                  </a:tcPr>
+                </a:tc>
+                <a:tc>
+                  <a:txBody>
+                    <a:bodyPr/>
+                    <a:lstStyle/>
+                    <a:p>
+                      <a:endParaRPr lang="zh-TW" altLang="en-US" sz="1300" dirty="0"/>
+                    </a:p>
+                  </a:txBody>
+                  <a:tcPr marL="66914" marR="66914" marT="33457" marB="33457">
+                    <a:solidFill>
+                      <a:schemeClr val="bg1"/>
+                    </a:solidFill>
+                  </a:tcPr>
+                </a:tc>
+                <a:tc>
+                  <a:txBody>
+                    <a:bodyPr/>
+                    <a:lstStyle/>
+                    <a:p>
+                      <a:endParaRPr lang="zh-TW" altLang="en-US" sz="1300" dirty="0"/>
+                    </a:p>
+                  </a:txBody>
+                  <a:tcPr marL="66914" marR="66914" marT="33457" marB="33457">
+                    <a:solidFill>
+                      <a:schemeClr val="bg1"/>
+                    </a:solidFill>
+                  </a:tcPr>
+                </a:tc>
+                <a:extLst>
+                  <a:ext uri="{0D108BD9-81ED-4DB2-BD59-A6C34878D82A}">
+                    <a16:rowId xmlns:a16="http://schemas.microsoft.com/office/drawing/2014/main" val="1055912127"/>
+                  </a:ext>
+                </a:extLst>
+              </a:tr>
+              <a:tr h="405406">
+                <a:tc>
+                  <a:txBody>
+                    <a:bodyPr/>
+                    <a:lstStyle/>
+                    <a:p>
+                      <a:endParaRPr lang="zh-TW" altLang="en-US" sz="1300" dirty="0"/>
+                    </a:p>
+                  </a:txBody>
+                  <a:tcPr marL="66914" marR="66914" marT="33457" marB="33457">
+                    <a:solidFill>
+                      <a:srgbClr val="FF0000"/>
+                    </a:solidFill>
+                  </a:tcPr>
+                </a:tc>
+                <a:tc>
+                  <a:txBody>
+                    <a:bodyPr/>
+                    <a:lstStyle/>
+                    <a:p>
+                      <a:endParaRPr lang="zh-TW" altLang="en-US" sz="1300" dirty="0"/>
+                    </a:p>
+                  </a:txBody>
+                  <a:tcPr marL="66914" marR="66914" marT="33457" marB="33457">
+                    <a:solidFill>
+                      <a:srgbClr val="0070C0"/>
+                    </a:solidFill>
+                  </a:tcPr>
+                </a:tc>
+                <a:tc>
+                  <a:txBody>
+                    <a:bodyPr/>
+                    <a:lstStyle/>
+                    <a:p>
+                      <a:endParaRPr lang="zh-TW" altLang="en-US" sz="1300" dirty="0"/>
+                    </a:p>
+                  </a:txBody>
+                  <a:tcPr marL="66914" marR="66914" marT="33457" marB="33457">
+                    <a:solidFill>
+                      <a:srgbClr val="0070C0"/>
+                    </a:solidFill>
+                  </a:tcPr>
+                </a:tc>
+                <a:tc>
+                  <a:txBody>
+                    <a:bodyPr/>
+                    <a:lstStyle/>
+                    <a:p>
+                      <a:endParaRPr lang="zh-TW" altLang="en-US" sz="1300" dirty="0"/>
+                    </a:p>
+                  </a:txBody>
+                  <a:tcPr marL="66914" marR="66914" marT="33457" marB="33457">
+                    <a:solidFill>
+                      <a:schemeClr val="bg1"/>
+                    </a:solidFill>
+                  </a:tcPr>
+                </a:tc>
+                <a:tc>
+                  <a:txBody>
+                    <a:bodyPr/>
+                    <a:lstStyle/>
+                    <a:p>
+                      <a:endParaRPr lang="zh-TW" altLang="en-US" sz="1300"/>
+                    </a:p>
+                  </a:txBody>
+                  <a:tcPr marL="66914" marR="66914" marT="33457" marB="33457">
+                    <a:solidFill>
+                      <a:srgbClr val="0070C0"/>
+                    </a:solidFill>
+                  </a:tcPr>
+                </a:tc>
+                <a:tc>
+                  <a:txBody>
+                    <a:bodyPr/>
+                    <a:lstStyle/>
+                    <a:p>
+                      <a:endParaRPr lang="zh-TW" altLang="en-US" sz="1300" dirty="0"/>
+                    </a:p>
+                  </a:txBody>
+                  <a:tcPr marL="66914" marR="66914" marT="33457" marB="33457">
+                    <a:solidFill>
+                      <a:srgbClr val="FF0000"/>
+                    </a:solidFill>
+                  </a:tcPr>
+                </a:tc>
+                <a:tc>
+                  <a:txBody>
+                    <a:bodyPr/>
+                    <a:lstStyle/>
+                    <a:p>
+                      <a:endParaRPr lang="zh-TW" altLang="en-US" sz="1300" dirty="0"/>
+                    </a:p>
+                  </a:txBody>
+                  <a:tcPr marL="66914" marR="66914" marT="33457" marB="33457">
+                    <a:solidFill>
+                      <a:srgbClr val="0070C0"/>
+                    </a:solidFill>
+                  </a:tcPr>
+                </a:tc>
+                <a:tc>
+                  <a:txBody>
+                    <a:bodyPr/>
+                    <a:lstStyle/>
+                    <a:p>
+                      <a:endParaRPr lang="zh-TW" altLang="en-US" sz="1300" dirty="0"/>
+                    </a:p>
+                  </a:txBody>
+                  <a:tcPr marL="66914" marR="66914" marT="33457" marB="33457">
+                    <a:solidFill>
+                      <a:srgbClr val="FF0000"/>
+                    </a:solidFill>
+                  </a:tcPr>
+                </a:tc>
+                <a:tc>
+                  <a:txBody>
+                    <a:bodyPr/>
+                    <a:lstStyle/>
+                    <a:p>
+                      <a:endParaRPr lang="zh-TW" altLang="en-US" sz="1300" dirty="0"/>
+                    </a:p>
+                  </a:txBody>
+                  <a:tcPr marL="66914" marR="66914" marT="33457" marB="33457">
+                    <a:solidFill>
+                      <a:srgbClr val="FF0000"/>
+                    </a:solidFill>
+                  </a:tcPr>
+                </a:tc>
+                <a:tc>
+                  <a:txBody>
+                    <a:bodyPr/>
+                    <a:lstStyle/>
+                    <a:p>
+                      <a:endParaRPr lang="zh-TW" altLang="en-US" sz="1300" dirty="0"/>
+                    </a:p>
+                  </a:txBody>
+                  <a:tcPr marL="66914" marR="66914" marT="33457" marB="33457">
+                    <a:solidFill>
+                      <a:schemeClr val="bg1"/>
+                    </a:solidFill>
+                  </a:tcPr>
+                </a:tc>
+                <a:extLst>
+                  <a:ext uri="{0D108BD9-81ED-4DB2-BD59-A6C34878D82A}">
+                    <a16:rowId xmlns:a16="http://schemas.microsoft.com/office/drawing/2014/main" val="3217273251"/>
+                  </a:ext>
+                </a:extLst>
+              </a:tr>
+              <a:tr h="405406">
+                <a:tc>
+                  <a:txBody>
+                    <a:bodyPr/>
+                    <a:lstStyle/>
+                    <a:p>
+                      <a:endParaRPr lang="zh-TW" altLang="en-US" sz="1300" dirty="0"/>
+                    </a:p>
+                  </a:txBody>
+                  <a:tcPr marL="66914" marR="66914" marT="33457" marB="33457">
+                    <a:solidFill>
+                      <a:srgbClr val="0070C0"/>
+                    </a:solidFill>
+                  </a:tcPr>
+                </a:tc>
+                <a:tc>
+                  <a:txBody>
+                    <a:bodyPr/>
+                    <a:lstStyle/>
+                    <a:p>
+                      <a:endParaRPr lang="zh-TW" altLang="en-US" sz="1300" dirty="0"/>
+                    </a:p>
+                  </a:txBody>
+                  <a:tcPr marL="66914" marR="66914" marT="33457" marB="33457">
+                    <a:solidFill>
+                      <a:srgbClr val="0070C0"/>
+                    </a:solidFill>
+                  </a:tcPr>
+                </a:tc>
+                <a:tc>
+                  <a:txBody>
+                    <a:bodyPr/>
+                    <a:lstStyle/>
+                    <a:p>
+                      <a:endParaRPr lang="zh-TW" altLang="en-US" sz="1300" dirty="0"/>
+                    </a:p>
+                  </a:txBody>
+                  <a:tcPr marL="66914" marR="66914" marT="33457" marB="33457">
+                    <a:solidFill>
+                      <a:srgbClr val="0070C0"/>
+                    </a:solidFill>
+                  </a:tcPr>
+                </a:tc>
+                <a:tc>
+                  <a:txBody>
+                    <a:bodyPr/>
+                    <a:lstStyle/>
+                    <a:p>
+                      <a:endParaRPr lang="zh-TW" altLang="en-US" sz="1300" dirty="0"/>
+                    </a:p>
+                  </a:txBody>
+                  <a:tcPr marL="66914" marR="66914" marT="33457" marB="33457">
+                    <a:solidFill>
+                      <a:srgbClr val="FF0000"/>
+                    </a:solidFill>
+                  </a:tcPr>
+                </a:tc>
+                <a:tc>
+                  <a:txBody>
+                    <a:bodyPr/>
+                    <a:lstStyle/>
+                    <a:p>
+                      <a:endParaRPr lang="zh-TW" altLang="en-US" sz="1300" dirty="0"/>
+                    </a:p>
+                  </a:txBody>
+                  <a:tcPr marL="66914" marR="66914" marT="33457" marB="33457">
+                    <a:solidFill>
+                      <a:srgbClr val="0070C0"/>
+                    </a:solidFill>
+                  </a:tcPr>
+                </a:tc>
+                <a:tc>
+                  <a:txBody>
+                    <a:bodyPr/>
+                    <a:lstStyle/>
+                    <a:p>
+                      <a:endParaRPr lang="zh-TW" altLang="en-US" sz="1300" dirty="0"/>
+                    </a:p>
+                  </a:txBody>
+                  <a:tcPr marL="66914" marR="66914" marT="33457" marB="33457">
+                    <a:solidFill>
+                      <a:srgbClr val="0070C0"/>
+                    </a:solidFill>
+                  </a:tcPr>
+                </a:tc>
+                <a:tc>
+                  <a:txBody>
+                    <a:bodyPr/>
+                    <a:lstStyle/>
+                    <a:p>
+                      <a:endParaRPr lang="zh-TW" altLang="en-US" sz="1300" dirty="0"/>
+                    </a:p>
+                  </a:txBody>
+                  <a:tcPr marL="66914" marR="66914" marT="33457" marB="33457">
+                    <a:solidFill>
+                      <a:srgbClr val="0070C0"/>
+                    </a:solidFill>
+                  </a:tcPr>
+                </a:tc>
+                <a:tc>
+                  <a:txBody>
+                    <a:bodyPr/>
+                    <a:lstStyle/>
+                    <a:p>
+                      <a:endParaRPr lang="zh-TW" altLang="en-US" sz="1300" dirty="0"/>
+                    </a:p>
+                  </a:txBody>
+                  <a:tcPr marL="66914" marR="66914" marT="33457" marB="33457">
+                    <a:solidFill>
+                      <a:srgbClr val="FF0000"/>
+                    </a:solidFill>
+                  </a:tcPr>
+                </a:tc>
+                <a:tc>
+                  <a:txBody>
+                    <a:bodyPr/>
+                    <a:lstStyle/>
+                    <a:p>
+                      <a:endParaRPr lang="zh-TW" altLang="en-US" sz="1300" dirty="0"/>
+                    </a:p>
+                  </a:txBody>
+                  <a:tcPr marL="66914" marR="66914" marT="33457" marB="33457">
+                    <a:solidFill>
+                      <a:srgbClr val="0070C0"/>
+                    </a:solidFill>
+                  </a:tcPr>
+                </a:tc>
+                <a:tc>
+                  <a:txBody>
+                    <a:bodyPr/>
+                    <a:lstStyle/>
+                    <a:p>
+                      <a:endParaRPr lang="zh-TW" altLang="en-US" sz="1300" dirty="0"/>
+                    </a:p>
+                  </a:txBody>
+                  <a:tcPr marL="66914" marR="66914" marT="33457" marB="33457">
+                    <a:solidFill>
+                      <a:schemeClr val="bg1"/>
+                    </a:solidFill>
+                  </a:tcPr>
+                </a:tc>
+                <a:extLst>
+                  <a:ext uri="{0D108BD9-81ED-4DB2-BD59-A6C34878D82A}">
+                    <a16:rowId xmlns:a16="http://schemas.microsoft.com/office/drawing/2014/main" val="3384321701"/>
+                  </a:ext>
+                </a:extLst>
+              </a:tr>
+            </a:tbl>
+          </a:graphicData>
+        </a:graphic>
+      </p:graphicFrame>
+      <p:sp>
+        <p:nvSpPr>
+          <p:cNvPr id="2" name="標題 1">
+            <a:extLst>
+              <a:ext uri="{FF2B5EF4-FFF2-40B4-BE49-F238E27FC236}">
+                <a16:creationId xmlns:a16="http://schemas.microsoft.com/office/drawing/2014/main" id="{173C40E9-20AB-4B87-9DAF-421C56345981}"/>
+              </a:ext>
+            </a:extLst>
+          </p:cNvPr>
+          <p:cNvSpPr>
+            <a:spLocks noGrp="1"/>
+          </p:cNvSpPr>
+          <p:nvPr>
+            <p:ph type="title"/>
+          </p:nvPr>
+        </p:nvSpPr>
+        <p:spPr/>
+        <p:txBody>
+          <a:bodyPr/>
+          <a:lstStyle/>
+          <a:p>
+            <a:r>
+              <a:rPr lang="en-US" altLang="zh-TW" dirty="0"/>
+              <a:t>Rearrange encoded column value</a:t>
+            </a:r>
+            <a:endParaRPr lang="zh-TW" altLang="en-US" dirty="0"/>
+          </a:p>
+        </p:txBody>
+      </p:sp>
+      <p:sp>
+        <p:nvSpPr>
+          <p:cNvPr id="14" name="內容版面配置區 2">
+            <a:extLst>
+              <a:ext uri="{FF2B5EF4-FFF2-40B4-BE49-F238E27FC236}">
+                <a16:creationId xmlns:a16="http://schemas.microsoft.com/office/drawing/2014/main" id="{E7E9BF4E-C5A0-42A1-BA5A-D92C40E35406}"/>
+              </a:ext>
+            </a:extLst>
+          </p:cNvPr>
+          <p:cNvSpPr>
+            <a:spLocks noGrp="1"/>
+          </p:cNvSpPr>
+          <p:nvPr>
+            <p:ph idx="1"/>
+          </p:nvPr>
+        </p:nvSpPr>
+        <p:spPr>
+          <a:xfrm>
+            <a:off x="8177418" y="2754538"/>
+            <a:ext cx="3699262" cy="3206914"/>
+          </a:xfrm>
+        </p:spPr>
+        <p:txBody>
+          <a:bodyPr>
+            <a:normAutofit/>
+          </a:bodyPr>
+          <a:lstStyle/>
+          <a:p>
+            <a:pPr marL="0" indent="0" algn="ctr">
+              <a:buNone/>
+            </a:pPr>
+            <a:r>
+              <a:rPr lang="en-US" altLang="zh-TW" sz="2000" dirty="0"/>
+              <a:t>Sorting encoded categorical-column with data purity ratio</a:t>
+            </a:r>
+            <a:endParaRPr lang="zh-TW" altLang="en-US" sz="2000" dirty="0"/>
+          </a:p>
+        </p:txBody>
+      </p:sp>
+      <p:sp>
+        <p:nvSpPr>
+          <p:cNvPr id="15" name="箭號: 向下 14">
+            <a:extLst>
+              <a:ext uri="{FF2B5EF4-FFF2-40B4-BE49-F238E27FC236}">
+                <a16:creationId xmlns:a16="http://schemas.microsoft.com/office/drawing/2014/main" id="{AC627E54-C7E7-4819-9A46-0B7D5EF529F4}"/>
+              </a:ext>
+            </a:extLst>
+          </p:cNvPr>
+          <p:cNvSpPr/>
+          <p:nvPr/>
+        </p:nvSpPr>
+        <p:spPr>
+          <a:xfrm>
+            <a:off x="4102873" y="3608418"/>
+            <a:ext cx="763325" cy="628153"/>
+          </a:xfrm>
+          <a:prstGeom prst="downArrow">
+            <a:avLst/>
+          </a:prstGeom>
+          <a:solidFill>
+            <a:srgbClr val="00B050"/>
+          </a:solidFill>
+          <a:ln>
+            <a:noFill/>
+          </a:ln>
+        </p:spPr>
+        <p:style>
+          <a:lnRef idx="2">
+            <a:schemeClr val="accent1">
+              <a:shade val="50000"/>
+            </a:schemeClr>
+          </a:lnRef>
+          <a:fillRef idx="1">
+            <a:schemeClr val="accent1"/>
+          </a:fillRef>
+          <a:effectRef idx="0">
+            <a:schemeClr val="accent1"/>
+          </a:effectRef>
+          <a:fontRef idx="minor">
+            <a:schemeClr val="lt1"/>
+          </a:fontRef>
+        </p:style>
+        <p:txBody>
+          <a:bodyPr rtlCol="0" anchor="ctr"/>
+          <a:lstStyle/>
+          <a:p>
+            <a:pPr algn="ctr"/>
+            <a:endParaRPr lang="zh-TW" altLang="en-US"/>
+          </a:p>
+        </p:txBody>
+      </p:sp>
+    </p:spTree>
+    <p:extLst>
+      <p:ext uri="{BB962C8B-B14F-4D97-AF65-F5344CB8AC3E}">
+        <p14:creationId xmlns:p14="http://schemas.microsoft.com/office/powerpoint/2010/main" val="3866252486"/>
+      </p:ext>
+    </p:extLst>
+  </p:cSld>
+  <p:clrMapOvr>
+    <a:masterClrMapping/>
+  </p:clrMapOvr>
+</p:sld>
+</file>
+
+<file path=ppt/slides/slide24.xml><?xml version="1.0" encoding="utf-8"?>
+<p:sld xmlns:a="http://schemas.openxmlformats.org/drawingml/2006/main" xmlns:r="http://schemas.openxmlformats.org/officeDocument/2006/relationships" xmlns:p="http://schemas.openxmlformats.org/presentationml/2006/main">
+  <p:cSld>
+    <p:spTree>
+      <p:nvGrpSpPr>
+        <p:cNvPr id="1" name=""/>
+        <p:cNvGrpSpPr/>
+        <p:nvPr/>
+      </p:nvGrpSpPr>
+      <p:grpSpPr>
+        <a:xfrm>
+          <a:off x="0" y="0"/>
+          <a:ext cx="0" cy="0"/>
+          <a:chOff x="0" y="0"/>
+          <a:chExt cx="0" cy="0"/>
+        </a:xfrm>
+      </p:grpSpPr>
+      <p:sp>
+        <p:nvSpPr>
+          <p:cNvPr id="2" name="標題 1">
+            <a:extLst>
+              <a:ext uri="{FF2B5EF4-FFF2-40B4-BE49-F238E27FC236}">
+                <a16:creationId xmlns:a16="http://schemas.microsoft.com/office/drawing/2014/main" id="{A033A9F1-1A55-4677-89B4-3CE0DC7C7E5C}"/>
+              </a:ext>
+            </a:extLst>
+          </p:cNvPr>
+          <p:cNvSpPr>
+            <a:spLocks noGrp="1"/>
+          </p:cNvSpPr>
+          <p:nvPr>
+            <p:ph type="title"/>
+          </p:nvPr>
+        </p:nvSpPr>
+        <p:spPr/>
+        <p:txBody>
+          <a:bodyPr/>
+          <a:lstStyle/>
+          <a:p>
+            <a:r>
+              <a:rPr lang="en-US" altLang="zh-TW" dirty="0"/>
+              <a:t>Group columns by correlations</a:t>
+            </a:r>
+            <a:endParaRPr lang="zh-TW" altLang="en-US" dirty="0"/>
+          </a:p>
+        </p:txBody>
+      </p:sp>
+      <p:sp>
+        <p:nvSpPr>
+          <p:cNvPr id="3" name="內容版面配置區 2">
+            <a:extLst>
+              <a:ext uri="{FF2B5EF4-FFF2-40B4-BE49-F238E27FC236}">
+                <a16:creationId xmlns:a16="http://schemas.microsoft.com/office/drawing/2014/main" id="{2630D0BA-7A02-4101-B442-B287FA086D09}"/>
+              </a:ext>
+            </a:extLst>
+          </p:cNvPr>
+          <p:cNvSpPr>
+            <a:spLocks noGrp="1"/>
+          </p:cNvSpPr>
+          <p:nvPr>
+            <p:ph idx="1"/>
+          </p:nvPr>
+        </p:nvSpPr>
+        <p:spPr/>
+        <p:txBody>
+          <a:bodyPr/>
+          <a:lstStyle/>
+          <a:p>
+            <a:endParaRPr lang="zh-TW" altLang="en-US"/>
+          </a:p>
+        </p:txBody>
+      </p:sp>
+    </p:spTree>
+    <p:extLst>
+      <p:ext uri="{BB962C8B-B14F-4D97-AF65-F5344CB8AC3E}">
+        <p14:creationId xmlns:p14="http://schemas.microsoft.com/office/powerpoint/2010/main" val="764828466"/>
       </p:ext>
     </p:extLst>
   </p:cSld>
